--- a/readmeimages/images.pptx
+++ b/readmeimages/images.pptx
@@ -6,6 +6,7 @@
   </p:sldMasterIdLst>
   <p:sldIdLst>
     <p:sldId id="256" r:id="rId2"/>
+    <p:sldId id="257" r:id="rId3"/>
   </p:sldIdLst>
   <p:sldSz cx="12192000" cy="6858000"/>
   <p:notesSz cx="6858000" cy="9144000"/>
@@ -104,6 +105,11 @@
       </a:defRPr>
     </a:lvl9pPr>
   </p:defaultTextStyle>
+  <p:extLst>
+    <p:ext uri="{EFAFB233-063F-42B5-8137-9DF3F51BA10A}">
+      <p15:sldGuideLst xmlns:p15="http://schemas.microsoft.com/office/powerpoint/2012/main"/>
+    </p:ext>
+  </p:extLst>
 </p:presentation>
 </file>
 
@@ -4091,6 +4097,648 @@
 </p:sld>
 </file>
 
+<file path=ppt/slides/slide2.xml><?xml version="1.0" encoding="utf-8"?>
+<p:sld xmlns:a="http://schemas.openxmlformats.org/drawingml/2006/main" xmlns:r="http://schemas.openxmlformats.org/officeDocument/2006/relationships" xmlns:p="http://schemas.openxmlformats.org/presentationml/2006/main">
+  <p:cSld>
+    <p:spTree>
+      <p:nvGrpSpPr>
+        <p:cNvPr id="1" name=""/>
+        <p:cNvGrpSpPr/>
+        <p:nvPr/>
+      </p:nvGrpSpPr>
+      <p:grpSpPr>
+        <a:xfrm>
+          <a:off x="0" y="0"/>
+          <a:ext cx="0" cy="0"/>
+          <a:chOff x="0" y="0"/>
+          <a:chExt cx="0" cy="0"/>
+        </a:xfrm>
+      </p:grpSpPr>
+      <p:sp>
+        <p:nvSpPr>
+          <p:cNvPr id="5" name="矩形 4">
+            <a:extLst>
+              <a:ext uri="{FF2B5EF4-FFF2-40B4-BE49-F238E27FC236}">
+                <a16:creationId xmlns:a16="http://schemas.microsoft.com/office/drawing/2014/main" id="{B1F66C93-3967-4684-A4E6-3573136A4D4E}"/>
+              </a:ext>
+            </a:extLst>
+          </p:cNvPr>
+          <p:cNvSpPr/>
+          <p:nvPr/>
+        </p:nvSpPr>
+        <p:spPr>
+          <a:xfrm>
+            <a:off x="4354339" y="1737330"/>
+            <a:ext cx="1798819" cy="782853"/>
+          </a:xfrm>
+          <a:prstGeom prst="rect">
+            <a:avLst/>
+          </a:prstGeom>
+        </p:spPr>
+        <p:style>
+          <a:lnRef idx="2">
+            <a:schemeClr val="accent1">
+              <a:shade val="50000"/>
+            </a:schemeClr>
+          </a:lnRef>
+          <a:fillRef idx="1">
+            <a:schemeClr val="accent1"/>
+          </a:fillRef>
+          <a:effectRef idx="0">
+            <a:schemeClr val="accent1"/>
+          </a:effectRef>
+          <a:fontRef idx="minor">
+            <a:schemeClr val="lt1"/>
+          </a:fontRef>
+        </p:style>
+        <p:txBody>
+          <a:bodyPr rtlCol="0" anchor="ctr"/>
+          <a:lstStyle/>
+          <a:p>
+            <a:pPr algn="ctr"/>
+            <a:r>
+              <a:rPr lang="en-US" altLang="zh-CN" dirty="0"/>
+              <a:t>Engine</a:t>
+            </a:r>
+            <a:endParaRPr lang="zh-CN" altLang="en-US" dirty="0"/>
+          </a:p>
+        </p:txBody>
+      </p:sp>
+      <p:sp>
+        <p:nvSpPr>
+          <p:cNvPr id="7" name="矩形 6">
+            <a:extLst>
+              <a:ext uri="{FF2B5EF4-FFF2-40B4-BE49-F238E27FC236}">
+                <a16:creationId xmlns:a16="http://schemas.microsoft.com/office/drawing/2014/main" id="{B51AADA4-29D8-4B6A-803F-853B29D73E5B}"/>
+              </a:ext>
+            </a:extLst>
+          </p:cNvPr>
+          <p:cNvSpPr/>
+          <p:nvPr/>
+        </p:nvSpPr>
+        <p:spPr>
+          <a:xfrm>
+            <a:off x="4354338" y="3771404"/>
+            <a:ext cx="1798819" cy="782853"/>
+          </a:xfrm>
+          <a:prstGeom prst="rect">
+            <a:avLst/>
+          </a:prstGeom>
+        </p:spPr>
+        <p:style>
+          <a:lnRef idx="2">
+            <a:schemeClr val="accent1">
+              <a:shade val="50000"/>
+            </a:schemeClr>
+          </a:lnRef>
+          <a:fillRef idx="1">
+            <a:schemeClr val="accent1"/>
+          </a:fillRef>
+          <a:effectRef idx="0">
+            <a:schemeClr val="accent1"/>
+          </a:effectRef>
+          <a:fontRef idx="minor">
+            <a:schemeClr val="lt1"/>
+          </a:fontRef>
+        </p:style>
+        <p:txBody>
+          <a:bodyPr rtlCol="0" anchor="ctr"/>
+          <a:lstStyle/>
+          <a:p>
+            <a:pPr algn="ctr"/>
+            <a:r>
+              <a:rPr lang="en-US" altLang="zh-CN" dirty="0"/>
+              <a:t>Scheduler</a:t>
+            </a:r>
+            <a:endParaRPr lang="zh-CN" altLang="en-US" dirty="0"/>
+          </a:p>
+        </p:txBody>
+      </p:sp>
+      <p:cxnSp>
+        <p:nvCxnSpPr>
+          <p:cNvPr id="22" name="直接箭头连接符 21">
+            <a:extLst>
+              <a:ext uri="{FF2B5EF4-FFF2-40B4-BE49-F238E27FC236}">
+                <a16:creationId xmlns:a16="http://schemas.microsoft.com/office/drawing/2014/main" id="{5FF46741-619A-4072-ADE6-F6CDE7D36F33}"/>
+              </a:ext>
+            </a:extLst>
+          </p:cNvPr>
+          <p:cNvCxnSpPr>
+            <a:stCxn id="5" idx="2"/>
+            <a:endCxn id="7" idx="0"/>
+          </p:cNvCxnSpPr>
+          <p:nvPr/>
+        </p:nvCxnSpPr>
+        <p:spPr>
+          <a:xfrm flipH="1">
+            <a:off x="5253748" y="2520183"/>
+            <a:ext cx="1" cy="1251221"/>
+          </a:xfrm>
+          <a:prstGeom prst="straightConnector1">
+            <a:avLst/>
+          </a:prstGeom>
+          <a:ln>
+            <a:tailEnd type="triangle"/>
+          </a:ln>
+        </p:spPr>
+        <p:style>
+          <a:lnRef idx="1">
+            <a:schemeClr val="accent1"/>
+          </a:lnRef>
+          <a:fillRef idx="0">
+            <a:schemeClr val="accent1"/>
+          </a:fillRef>
+          <a:effectRef idx="0">
+            <a:schemeClr val="accent1"/>
+          </a:effectRef>
+          <a:fontRef idx="minor">
+            <a:schemeClr val="tx1"/>
+          </a:fontRef>
+        </p:style>
+      </p:cxnSp>
+      <p:sp>
+        <p:nvSpPr>
+          <p:cNvPr id="23" name="文本框 22">
+            <a:extLst>
+              <a:ext uri="{FF2B5EF4-FFF2-40B4-BE49-F238E27FC236}">
+                <a16:creationId xmlns:a16="http://schemas.microsoft.com/office/drawing/2014/main" id="{FC5AF792-4362-46FC-8437-AC16407EEC4E}"/>
+              </a:ext>
+            </a:extLst>
+          </p:cNvPr>
+          <p:cNvSpPr txBox="1"/>
+          <p:nvPr/>
+        </p:nvSpPr>
+        <p:spPr>
+          <a:xfrm>
+            <a:off x="4538487" y="2964479"/>
+            <a:ext cx="715260" cy="276999"/>
+          </a:xfrm>
+          <a:prstGeom prst="rect">
+            <a:avLst/>
+          </a:prstGeom>
+          <a:noFill/>
+        </p:spPr>
+        <p:txBody>
+          <a:bodyPr wrap="none" rtlCol="0">
+            <a:spAutoFit/>
+          </a:bodyPr>
+          <a:lstStyle/>
+          <a:p>
+            <a:r>
+              <a:rPr lang="en-US" altLang="zh-CN" sz="1200" dirty="0"/>
+              <a:t>Request</a:t>
+            </a:r>
+            <a:endParaRPr lang="zh-CN" altLang="en-US" sz="1200" dirty="0"/>
+          </a:p>
+        </p:txBody>
+      </p:sp>
+      <p:sp>
+        <p:nvSpPr>
+          <p:cNvPr id="24" name="箭头: 右 23">
+            <a:extLst>
+              <a:ext uri="{FF2B5EF4-FFF2-40B4-BE49-F238E27FC236}">
+                <a16:creationId xmlns:a16="http://schemas.microsoft.com/office/drawing/2014/main" id="{E489EE02-841C-46B7-8A65-2D04B64FA23F}"/>
+              </a:ext>
+            </a:extLst>
+          </p:cNvPr>
+          <p:cNvSpPr/>
+          <p:nvPr/>
+        </p:nvSpPr>
+        <p:spPr>
+          <a:xfrm rot="10800000" flipV="1">
+            <a:off x="3001400" y="1737330"/>
+            <a:ext cx="1203649" cy="541175"/>
+          </a:xfrm>
+          <a:prstGeom prst="rightArrow">
+            <a:avLst/>
+          </a:prstGeom>
+        </p:spPr>
+        <p:style>
+          <a:lnRef idx="2">
+            <a:schemeClr val="accent1">
+              <a:shade val="50000"/>
+            </a:schemeClr>
+          </a:lnRef>
+          <a:fillRef idx="1">
+            <a:schemeClr val="accent1"/>
+          </a:fillRef>
+          <a:effectRef idx="0">
+            <a:schemeClr val="accent1"/>
+          </a:effectRef>
+          <a:fontRef idx="minor">
+            <a:schemeClr val="lt1"/>
+          </a:fontRef>
+        </p:style>
+        <p:txBody>
+          <a:bodyPr rtlCol="0" anchor="ctr"/>
+          <a:lstStyle/>
+          <a:p>
+            <a:pPr algn="ctr"/>
+            <a:r>
+              <a:rPr lang="en-US" altLang="zh-CN" dirty="0"/>
+              <a:t>Item</a:t>
+            </a:r>
+            <a:endParaRPr lang="zh-CN" altLang="en-US" dirty="0"/>
+          </a:p>
+        </p:txBody>
+      </p:sp>
+      <p:sp>
+        <p:nvSpPr>
+          <p:cNvPr id="25" name="矩形 24">
+            <a:extLst>
+              <a:ext uri="{FF2B5EF4-FFF2-40B4-BE49-F238E27FC236}">
+                <a16:creationId xmlns:a16="http://schemas.microsoft.com/office/drawing/2014/main" id="{13D3E9A9-1A7C-4759-978A-05E38D83FB78}"/>
+              </a:ext>
+            </a:extLst>
+          </p:cNvPr>
+          <p:cNvSpPr/>
+          <p:nvPr/>
+        </p:nvSpPr>
+        <p:spPr>
+          <a:xfrm>
+            <a:off x="7753738" y="2416629"/>
+            <a:ext cx="1464899" cy="914400"/>
+          </a:xfrm>
+          <a:prstGeom prst="rect">
+            <a:avLst/>
+          </a:prstGeom>
+        </p:spPr>
+        <p:style>
+          <a:lnRef idx="2">
+            <a:schemeClr val="accent1">
+              <a:shade val="50000"/>
+            </a:schemeClr>
+          </a:lnRef>
+          <a:fillRef idx="1">
+            <a:schemeClr val="accent1"/>
+          </a:fillRef>
+          <a:effectRef idx="0">
+            <a:schemeClr val="accent1"/>
+          </a:effectRef>
+          <a:fontRef idx="minor">
+            <a:schemeClr val="lt1"/>
+          </a:fontRef>
+        </p:style>
+        <p:txBody>
+          <a:bodyPr rtlCol="0" anchor="ctr"/>
+          <a:lstStyle/>
+          <a:p>
+            <a:pPr algn="ctr"/>
+            <a:endParaRPr lang="zh-CN" altLang="en-US"/>
+          </a:p>
+        </p:txBody>
+      </p:sp>
+      <p:sp>
+        <p:nvSpPr>
+          <p:cNvPr id="26" name="矩形 25">
+            <a:extLst>
+              <a:ext uri="{FF2B5EF4-FFF2-40B4-BE49-F238E27FC236}">
+                <a16:creationId xmlns:a16="http://schemas.microsoft.com/office/drawing/2014/main" id="{32B6B5D7-4A3D-4D42-A30E-144B9D51DDB8}"/>
+              </a:ext>
+            </a:extLst>
+          </p:cNvPr>
+          <p:cNvSpPr/>
+          <p:nvPr/>
+        </p:nvSpPr>
+        <p:spPr>
+          <a:xfrm>
+            <a:off x="7847044" y="2567754"/>
+            <a:ext cx="1464899" cy="914400"/>
+          </a:xfrm>
+          <a:prstGeom prst="rect">
+            <a:avLst/>
+          </a:prstGeom>
+        </p:spPr>
+        <p:style>
+          <a:lnRef idx="2">
+            <a:schemeClr val="accent1">
+              <a:shade val="50000"/>
+            </a:schemeClr>
+          </a:lnRef>
+          <a:fillRef idx="1">
+            <a:schemeClr val="accent1"/>
+          </a:fillRef>
+          <a:effectRef idx="0">
+            <a:schemeClr val="accent1"/>
+          </a:effectRef>
+          <a:fontRef idx="minor">
+            <a:schemeClr val="lt1"/>
+          </a:fontRef>
+        </p:style>
+        <p:txBody>
+          <a:bodyPr rtlCol="0" anchor="ctr"/>
+          <a:lstStyle/>
+          <a:p>
+            <a:pPr algn="ctr"/>
+            <a:endParaRPr lang="zh-CN" altLang="en-US"/>
+          </a:p>
+        </p:txBody>
+      </p:sp>
+      <p:sp>
+        <p:nvSpPr>
+          <p:cNvPr id="27" name="矩形 26">
+            <a:extLst>
+              <a:ext uri="{FF2B5EF4-FFF2-40B4-BE49-F238E27FC236}">
+                <a16:creationId xmlns:a16="http://schemas.microsoft.com/office/drawing/2014/main" id="{1004DD35-F5E6-4C1F-874D-E71DCE0A25B5}"/>
+              </a:ext>
+            </a:extLst>
+          </p:cNvPr>
+          <p:cNvSpPr/>
+          <p:nvPr/>
+        </p:nvSpPr>
+        <p:spPr>
+          <a:xfrm>
+            <a:off x="8089644" y="2683102"/>
+            <a:ext cx="1464899" cy="914400"/>
+          </a:xfrm>
+          <a:prstGeom prst="rect">
+            <a:avLst/>
+          </a:prstGeom>
+        </p:spPr>
+        <p:style>
+          <a:lnRef idx="2">
+            <a:schemeClr val="accent1">
+              <a:shade val="50000"/>
+            </a:schemeClr>
+          </a:lnRef>
+          <a:fillRef idx="1">
+            <a:schemeClr val="accent1"/>
+          </a:fillRef>
+          <a:effectRef idx="0">
+            <a:schemeClr val="accent1"/>
+          </a:effectRef>
+          <a:fontRef idx="minor">
+            <a:schemeClr val="lt1"/>
+          </a:fontRef>
+        </p:style>
+        <p:txBody>
+          <a:bodyPr rtlCol="0" anchor="ctr"/>
+          <a:lstStyle/>
+          <a:p>
+            <a:pPr algn="ctr"/>
+            <a:endParaRPr lang="zh-CN" altLang="en-US"/>
+          </a:p>
+        </p:txBody>
+      </p:sp>
+      <p:sp>
+        <p:nvSpPr>
+          <p:cNvPr id="28" name="矩形 27">
+            <a:extLst>
+              <a:ext uri="{FF2B5EF4-FFF2-40B4-BE49-F238E27FC236}">
+                <a16:creationId xmlns:a16="http://schemas.microsoft.com/office/drawing/2014/main" id="{C70D9658-421F-4553-8C37-1E1C82A3943A}"/>
+              </a:ext>
+            </a:extLst>
+          </p:cNvPr>
+          <p:cNvSpPr/>
+          <p:nvPr/>
+        </p:nvSpPr>
+        <p:spPr>
+          <a:xfrm>
+            <a:off x="8257592" y="2802940"/>
+            <a:ext cx="1464899" cy="914400"/>
+          </a:xfrm>
+          <a:prstGeom prst="rect">
+            <a:avLst/>
+          </a:prstGeom>
+        </p:spPr>
+        <p:style>
+          <a:lnRef idx="2">
+            <a:schemeClr val="accent1">
+              <a:shade val="50000"/>
+            </a:schemeClr>
+          </a:lnRef>
+          <a:fillRef idx="1">
+            <a:schemeClr val="accent1"/>
+          </a:fillRef>
+          <a:effectRef idx="0">
+            <a:schemeClr val="accent1"/>
+          </a:effectRef>
+          <a:fontRef idx="minor">
+            <a:schemeClr val="lt1"/>
+          </a:fontRef>
+        </p:style>
+        <p:txBody>
+          <a:bodyPr rtlCol="0" anchor="ctr"/>
+          <a:lstStyle/>
+          <a:p>
+            <a:pPr algn="ctr"/>
+            <a:endParaRPr lang="zh-CN" altLang="en-US"/>
+          </a:p>
+        </p:txBody>
+      </p:sp>
+      <p:sp>
+        <p:nvSpPr>
+          <p:cNvPr id="29" name="矩形 28">
+            <a:extLst>
+              <a:ext uri="{FF2B5EF4-FFF2-40B4-BE49-F238E27FC236}">
+                <a16:creationId xmlns:a16="http://schemas.microsoft.com/office/drawing/2014/main" id="{29DCC5E9-E880-4A29-99C5-EE0591D0886A}"/>
+              </a:ext>
+            </a:extLst>
+          </p:cNvPr>
+          <p:cNvSpPr/>
+          <p:nvPr/>
+        </p:nvSpPr>
+        <p:spPr>
+          <a:xfrm>
+            <a:off x="8500188" y="2963252"/>
+            <a:ext cx="1464899" cy="914400"/>
+          </a:xfrm>
+          <a:prstGeom prst="rect">
+            <a:avLst/>
+          </a:prstGeom>
+        </p:spPr>
+        <p:style>
+          <a:lnRef idx="2">
+            <a:schemeClr val="accent1">
+              <a:shade val="50000"/>
+            </a:schemeClr>
+          </a:lnRef>
+          <a:fillRef idx="1">
+            <a:schemeClr val="accent1"/>
+          </a:fillRef>
+          <a:effectRef idx="0">
+            <a:schemeClr val="accent1"/>
+          </a:effectRef>
+          <a:fontRef idx="minor">
+            <a:schemeClr val="lt1"/>
+          </a:fontRef>
+        </p:style>
+        <p:txBody>
+          <a:bodyPr rtlCol="0" anchor="ctr"/>
+          <a:lstStyle/>
+          <a:p>
+            <a:pPr algn="ctr"/>
+            <a:r>
+              <a:rPr lang="en-US" altLang="zh-CN" dirty="0"/>
+              <a:t>Worker</a:t>
+            </a:r>
+            <a:endParaRPr lang="zh-CN" altLang="en-US" dirty="0"/>
+          </a:p>
+        </p:txBody>
+      </p:sp>
+      <p:cxnSp>
+        <p:nvCxnSpPr>
+          <p:cNvPr id="33" name="直接箭头连接符 32">
+            <a:extLst>
+              <a:ext uri="{FF2B5EF4-FFF2-40B4-BE49-F238E27FC236}">
+                <a16:creationId xmlns:a16="http://schemas.microsoft.com/office/drawing/2014/main" id="{7BC2E36A-22D8-4E5C-A119-61E4E508AD0C}"/>
+              </a:ext>
+            </a:extLst>
+          </p:cNvPr>
+          <p:cNvCxnSpPr/>
+          <p:nvPr/>
+        </p:nvCxnSpPr>
+        <p:spPr>
+          <a:xfrm flipV="1">
+            <a:off x="6251510" y="3482154"/>
+            <a:ext cx="1502228" cy="781936"/>
+          </a:xfrm>
+          <a:prstGeom prst="straightConnector1">
+            <a:avLst/>
+          </a:prstGeom>
+          <a:ln>
+            <a:tailEnd type="triangle"/>
+          </a:ln>
+        </p:spPr>
+        <p:style>
+          <a:lnRef idx="1">
+            <a:schemeClr val="accent1"/>
+          </a:lnRef>
+          <a:fillRef idx="0">
+            <a:schemeClr val="accent1"/>
+          </a:fillRef>
+          <a:effectRef idx="0">
+            <a:schemeClr val="accent1"/>
+          </a:effectRef>
+          <a:fontRef idx="minor">
+            <a:schemeClr val="tx1"/>
+          </a:fontRef>
+        </p:style>
+      </p:cxnSp>
+      <p:cxnSp>
+        <p:nvCxnSpPr>
+          <p:cNvPr id="35" name="直接箭头连接符 34">
+            <a:extLst>
+              <a:ext uri="{FF2B5EF4-FFF2-40B4-BE49-F238E27FC236}">
+                <a16:creationId xmlns:a16="http://schemas.microsoft.com/office/drawing/2014/main" id="{79D2C357-D27F-4731-AE8E-61C13836D1A8}"/>
+              </a:ext>
+            </a:extLst>
+          </p:cNvPr>
+          <p:cNvCxnSpPr/>
+          <p:nvPr/>
+        </p:nvCxnSpPr>
+        <p:spPr>
+          <a:xfrm flipH="1" flipV="1">
+            <a:off x="6321105" y="2278505"/>
+            <a:ext cx="1357991" cy="861797"/>
+          </a:xfrm>
+          <a:prstGeom prst="straightConnector1">
+            <a:avLst/>
+          </a:prstGeom>
+          <a:ln>
+            <a:tailEnd type="triangle"/>
+          </a:ln>
+        </p:spPr>
+        <p:style>
+          <a:lnRef idx="1">
+            <a:schemeClr val="accent1"/>
+          </a:lnRef>
+          <a:fillRef idx="0">
+            <a:schemeClr val="accent1"/>
+          </a:fillRef>
+          <a:effectRef idx="0">
+            <a:schemeClr val="accent1"/>
+          </a:effectRef>
+          <a:fontRef idx="minor">
+            <a:schemeClr val="tx1"/>
+          </a:fontRef>
+        </p:style>
+      </p:cxnSp>
+      <p:sp>
+        <p:nvSpPr>
+          <p:cNvPr id="53" name="文本框 52">
+            <a:extLst>
+              <a:ext uri="{FF2B5EF4-FFF2-40B4-BE49-F238E27FC236}">
+                <a16:creationId xmlns:a16="http://schemas.microsoft.com/office/drawing/2014/main" id="{F514EC4B-A9BC-4C53-AEB8-96A3B2C71D8F}"/>
+              </a:ext>
+            </a:extLst>
+          </p:cNvPr>
+          <p:cNvSpPr txBox="1"/>
+          <p:nvPr/>
+        </p:nvSpPr>
+        <p:spPr>
+          <a:xfrm>
+            <a:off x="6932775" y="4024330"/>
+            <a:ext cx="715260" cy="276999"/>
+          </a:xfrm>
+          <a:prstGeom prst="rect">
+            <a:avLst/>
+          </a:prstGeom>
+          <a:noFill/>
+        </p:spPr>
+        <p:txBody>
+          <a:bodyPr wrap="none" rtlCol="0">
+            <a:spAutoFit/>
+          </a:bodyPr>
+          <a:lstStyle/>
+          <a:p>
+            <a:r>
+              <a:rPr lang="en-US" altLang="zh-CN" sz="1200" dirty="0"/>
+              <a:t>Request</a:t>
+            </a:r>
+            <a:endParaRPr lang="zh-CN" altLang="en-US" sz="1200" dirty="0"/>
+          </a:p>
+        </p:txBody>
+      </p:sp>
+      <p:sp>
+        <p:nvSpPr>
+          <p:cNvPr id="54" name="文本框 53">
+            <a:extLst>
+              <a:ext uri="{FF2B5EF4-FFF2-40B4-BE49-F238E27FC236}">
+                <a16:creationId xmlns:a16="http://schemas.microsoft.com/office/drawing/2014/main" id="{9991114B-AFD1-4BF0-AFEA-769711E8E8F3}"/>
+              </a:ext>
+            </a:extLst>
+          </p:cNvPr>
+          <p:cNvSpPr txBox="1"/>
+          <p:nvPr/>
+        </p:nvSpPr>
+        <p:spPr>
+          <a:xfrm>
+            <a:off x="6676935" y="2251557"/>
+            <a:ext cx="1087157" cy="276999"/>
+          </a:xfrm>
+          <a:prstGeom prst="rect">
+            <a:avLst/>
+          </a:prstGeom>
+          <a:noFill/>
+        </p:spPr>
+        <p:txBody>
+          <a:bodyPr wrap="none" rtlCol="0">
+            <a:spAutoFit/>
+          </a:bodyPr>
+          <a:lstStyle/>
+          <a:p>
+            <a:r>
+              <a:rPr lang="en-US" altLang="zh-CN" sz="1200" dirty="0"/>
+              <a:t>Request, Item</a:t>
+            </a:r>
+            <a:endParaRPr lang="zh-CN" altLang="en-US" sz="1200" dirty="0"/>
+          </a:p>
+        </p:txBody>
+      </p:sp>
+    </p:spTree>
+    <p:extLst>
+      <p:ext uri="{BB962C8B-B14F-4D97-AF65-F5344CB8AC3E}">
+        <p14:creationId xmlns:p14="http://schemas.microsoft.com/office/powerpoint/2010/main" val="382256315"/>
+      </p:ext>
+    </p:extLst>
+  </p:cSld>
+  <p:clrMapOvr>
+    <a:masterClrMapping/>
+  </p:clrMapOvr>
+</p:sld>
+</file>
+
 <file path=ppt/theme/theme1.xml><?xml version="1.0" encoding="utf-8"?>
 <a:theme xmlns:a="http://schemas.openxmlformats.org/drawingml/2006/main" name="Office 主题​​">
   <a:themeElements>

--- a/readmeimages/images.pptx
+++ b/readmeimages/images.pptx
@@ -7,6 +7,9 @@
   <p:sldIdLst>
     <p:sldId id="256" r:id="rId2"/>
     <p:sldId id="257" r:id="rId3"/>
+    <p:sldId id="258" r:id="rId4"/>
+    <p:sldId id="259" r:id="rId5"/>
+    <p:sldId id="260" r:id="rId6"/>
   </p:sldIdLst>
   <p:sldSz cx="12192000" cy="6858000"/>
   <p:notesSz cx="6858000" cy="9144000"/>
@@ -260,7 +263,7 @@
           <a:p>
             <a:fld id="{3538DB21-C561-4506-92CD-11D4C2872880}" type="datetimeFigureOut">
               <a:rPr lang="zh-CN" altLang="en-US" smtClean="0"/>
-              <a:t>2018/4/21</a:t>
+              <a:t>2018/4/23</a:t>
             </a:fld>
             <a:endParaRPr lang="zh-CN" altLang="en-US"/>
           </a:p>
@@ -458,7 +461,7 @@
           <a:p>
             <a:fld id="{3538DB21-C561-4506-92CD-11D4C2872880}" type="datetimeFigureOut">
               <a:rPr lang="zh-CN" altLang="en-US" smtClean="0"/>
-              <a:t>2018/4/21</a:t>
+              <a:t>2018/4/23</a:t>
             </a:fld>
             <a:endParaRPr lang="zh-CN" altLang="en-US"/>
           </a:p>
@@ -666,7 +669,7 @@
           <a:p>
             <a:fld id="{3538DB21-C561-4506-92CD-11D4C2872880}" type="datetimeFigureOut">
               <a:rPr lang="zh-CN" altLang="en-US" smtClean="0"/>
-              <a:t>2018/4/21</a:t>
+              <a:t>2018/4/23</a:t>
             </a:fld>
             <a:endParaRPr lang="zh-CN" altLang="en-US"/>
           </a:p>
@@ -864,7 +867,7 @@
           <a:p>
             <a:fld id="{3538DB21-C561-4506-92CD-11D4C2872880}" type="datetimeFigureOut">
               <a:rPr lang="zh-CN" altLang="en-US" smtClean="0"/>
-              <a:t>2018/4/21</a:t>
+              <a:t>2018/4/23</a:t>
             </a:fld>
             <a:endParaRPr lang="zh-CN" altLang="en-US"/>
           </a:p>
@@ -1139,7 +1142,7 @@
           <a:p>
             <a:fld id="{3538DB21-C561-4506-92CD-11D4C2872880}" type="datetimeFigureOut">
               <a:rPr lang="zh-CN" altLang="en-US" smtClean="0"/>
-              <a:t>2018/4/21</a:t>
+              <a:t>2018/4/23</a:t>
             </a:fld>
             <a:endParaRPr lang="zh-CN" altLang="en-US"/>
           </a:p>
@@ -1404,7 +1407,7 @@
           <a:p>
             <a:fld id="{3538DB21-C561-4506-92CD-11D4C2872880}" type="datetimeFigureOut">
               <a:rPr lang="zh-CN" altLang="en-US" smtClean="0"/>
-              <a:t>2018/4/21</a:t>
+              <a:t>2018/4/23</a:t>
             </a:fld>
             <a:endParaRPr lang="zh-CN" altLang="en-US"/>
           </a:p>
@@ -1816,7 +1819,7 @@
           <a:p>
             <a:fld id="{3538DB21-C561-4506-92CD-11D4C2872880}" type="datetimeFigureOut">
               <a:rPr lang="zh-CN" altLang="en-US" smtClean="0"/>
-              <a:t>2018/4/21</a:t>
+              <a:t>2018/4/23</a:t>
             </a:fld>
             <a:endParaRPr lang="zh-CN" altLang="en-US"/>
           </a:p>
@@ -1957,7 +1960,7 @@
           <a:p>
             <a:fld id="{3538DB21-C561-4506-92CD-11D4C2872880}" type="datetimeFigureOut">
               <a:rPr lang="zh-CN" altLang="en-US" smtClean="0"/>
-              <a:t>2018/4/21</a:t>
+              <a:t>2018/4/23</a:t>
             </a:fld>
             <a:endParaRPr lang="zh-CN" altLang="en-US"/>
           </a:p>
@@ -2070,7 +2073,7 @@
           <a:p>
             <a:fld id="{3538DB21-C561-4506-92CD-11D4C2872880}" type="datetimeFigureOut">
               <a:rPr lang="zh-CN" altLang="en-US" smtClean="0"/>
-              <a:t>2018/4/21</a:t>
+              <a:t>2018/4/23</a:t>
             </a:fld>
             <a:endParaRPr lang="zh-CN" altLang="en-US"/>
           </a:p>
@@ -2381,7 +2384,7 @@
           <a:p>
             <a:fld id="{3538DB21-C561-4506-92CD-11D4C2872880}" type="datetimeFigureOut">
               <a:rPr lang="zh-CN" altLang="en-US" smtClean="0"/>
-              <a:t>2018/4/21</a:t>
+              <a:t>2018/4/23</a:t>
             </a:fld>
             <a:endParaRPr lang="zh-CN" altLang="en-US"/>
           </a:p>
@@ -2669,7 +2672,7 @@
           <a:p>
             <a:fld id="{3538DB21-C561-4506-92CD-11D4C2872880}" type="datetimeFigureOut">
               <a:rPr lang="zh-CN" altLang="en-US" smtClean="0"/>
-              <a:t>2018/4/21</a:t>
+              <a:t>2018/4/23</a:t>
             </a:fld>
             <a:endParaRPr lang="zh-CN" altLang="en-US"/>
           </a:p>
@@ -2910,7 +2913,7 @@
           <a:p>
             <a:fld id="{3538DB21-C561-4506-92CD-11D4C2872880}" type="datetimeFigureOut">
               <a:rPr lang="zh-CN" altLang="en-US" smtClean="0"/>
-              <a:t>2018/4/21</a:t>
+              <a:t>2018/4/23</a:t>
             </a:fld>
             <a:endParaRPr lang="zh-CN" altLang="en-US"/>
           </a:p>
@@ -4739,6 +4742,2431 @@
 </p:sld>
 </file>
 
+<file path=ppt/slides/slide3.xml><?xml version="1.0" encoding="utf-8"?>
+<p:sld xmlns:a="http://schemas.openxmlformats.org/drawingml/2006/main" xmlns:r="http://schemas.openxmlformats.org/officeDocument/2006/relationships" xmlns:p="http://schemas.openxmlformats.org/presentationml/2006/main">
+  <p:cSld>
+    <p:spTree>
+      <p:nvGrpSpPr>
+        <p:cNvPr id="1" name=""/>
+        <p:cNvGrpSpPr/>
+        <p:nvPr/>
+      </p:nvGrpSpPr>
+      <p:grpSpPr>
+        <a:xfrm>
+          <a:off x="0" y="0"/>
+          <a:ext cx="0" cy="0"/>
+          <a:chOff x="0" y="0"/>
+          <a:chExt cx="0" cy="0"/>
+        </a:xfrm>
+      </p:grpSpPr>
+      <p:sp>
+        <p:nvSpPr>
+          <p:cNvPr id="4" name="矩形 3">
+            <a:extLst>
+              <a:ext uri="{FF2B5EF4-FFF2-40B4-BE49-F238E27FC236}">
+                <a16:creationId xmlns:a16="http://schemas.microsoft.com/office/drawing/2014/main" id="{E2341915-0C10-485A-82A2-AB5B58FA2208}"/>
+              </a:ext>
+            </a:extLst>
+          </p:cNvPr>
+          <p:cNvSpPr/>
+          <p:nvPr/>
+        </p:nvSpPr>
+        <p:spPr>
+          <a:xfrm>
+            <a:off x="6736701" y="2985796"/>
+            <a:ext cx="1595535" cy="914400"/>
+          </a:xfrm>
+          <a:prstGeom prst="rect">
+            <a:avLst/>
+          </a:prstGeom>
+        </p:spPr>
+        <p:style>
+          <a:lnRef idx="2">
+            <a:schemeClr val="accent1">
+              <a:shade val="50000"/>
+            </a:schemeClr>
+          </a:lnRef>
+          <a:fillRef idx="1">
+            <a:schemeClr val="accent1"/>
+          </a:fillRef>
+          <a:effectRef idx="0">
+            <a:schemeClr val="accent1"/>
+          </a:effectRef>
+          <a:fontRef idx="minor">
+            <a:schemeClr val="lt1"/>
+          </a:fontRef>
+        </p:style>
+        <p:txBody>
+          <a:bodyPr rtlCol="0" anchor="ctr"/>
+          <a:lstStyle/>
+          <a:p>
+            <a:pPr algn="ctr"/>
+            <a:endParaRPr lang="zh-CN" altLang="en-US"/>
+          </a:p>
+        </p:txBody>
+      </p:sp>
+      <p:sp>
+        <p:nvSpPr>
+          <p:cNvPr id="5" name="矩形 4">
+            <a:extLst>
+              <a:ext uri="{FF2B5EF4-FFF2-40B4-BE49-F238E27FC236}">
+                <a16:creationId xmlns:a16="http://schemas.microsoft.com/office/drawing/2014/main" id="{4C1F58BC-BB16-4BB6-8C00-E93BA854287E}"/>
+              </a:ext>
+            </a:extLst>
+          </p:cNvPr>
+          <p:cNvSpPr/>
+          <p:nvPr/>
+        </p:nvSpPr>
+        <p:spPr>
+          <a:xfrm>
+            <a:off x="6857999" y="3191070"/>
+            <a:ext cx="1595535" cy="914400"/>
+          </a:xfrm>
+          <a:prstGeom prst="rect">
+            <a:avLst/>
+          </a:prstGeom>
+        </p:spPr>
+        <p:style>
+          <a:lnRef idx="2">
+            <a:schemeClr val="accent1">
+              <a:shade val="50000"/>
+            </a:schemeClr>
+          </a:lnRef>
+          <a:fillRef idx="1">
+            <a:schemeClr val="accent1"/>
+          </a:fillRef>
+          <a:effectRef idx="0">
+            <a:schemeClr val="accent1"/>
+          </a:effectRef>
+          <a:fontRef idx="minor">
+            <a:schemeClr val="lt1"/>
+          </a:fontRef>
+        </p:style>
+        <p:txBody>
+          <a:bodyPr rtlCol="0" anchor="ctr"/>
+          <a:lstStyle/>
+          <a:p>
+            <a:pPr algn="ctr"/>
+            <a:endParaRPr lang="zh-CN" altLang="en-US"/>
+          </a:p>
+        </p:txBody>
+      </p:sp>
+      <p:sp>
+        <p:nvSpPr>
+          <p:cNvPr id="6" name="矩形 5">
+            <a:extLst>
+              <a:ext uri="{FF2B5EF4-FFF2-40B4-BE49-F238E27FC236}">
+                <a16:creationId xmlns:a16="http://schemas.microsoft.com/office/drawing/2014/main" id="{B913D74E-DF53-4A92-A850-94E801D4ED83}"/>
+              </a:ext>
+            </a:extLst>
+          </p:cNvPr>
+          <p:cNvSpPr/>
+          <p:nvPr/>
+        </p:nvSpPr>
+        <p:spPr>
+          <a:xfrm>
+            <a:off x="7100595" y="3429000"/>
+            <a:ext cx="1595535" cy="914400"/>
+          </a:xfrm>
+          <a:prstGeom prst="rect">
+            <a:avLst/>
+          </a:prstGeom>
+        </p:spPr>
+        <p:style>
+          <a:lnRef idx="2">
+            <a:schemeClr val="accent1">
+              <a:shade val="50000"/>
+            </a:schemeClr>
+          </a:lnRef>
+          <a:fillRef idx="1">
+            <a:schemeClr val="accent1"/>
+          </a:fillRef>
+          <a:effectRef idx="0">
+            <a:schemeClr val="accent1"/>
+          </a:effectRef>
+          <a:fontRef idx="minor">
+            <a:schemeClr val="lt1"/>
+          </a:fontRef>
+        </p:style>
+        <p:txBody>
+          <a:bodyPr rtlCol="0" anchor="ctr"/>
+          <a:lstStyle/>
+          <a:p>
+            <a:pPr algn="ctr"/>
+            <a:endParaRPr lang="zh-CN" altLang="en-US"/>
+          </a:p>
+        </p:txBody>
+      </p:sp>
+      <p:sp>
+        <p:nvSpPr>
+          <p:cNvPr id="7" name="矩形 6">
+            <a:extLst>
+              <a:ext uri="{FF2B5EF4-FFF2-40B4-BE49-F238E27FC236}">
+                <a16:creationId xmlns:a16="http://schemas.microsoft.com/office/drawing/2014/main" id="{05E2CBB0-88BE-4D0E-8CC9-E142953481C2}"/>
+              </a:ext>
+            </a:extLst>
+          </p:cNvPr>
+          <p:cNvSpPr/>
+          <p:nvPr/>
+        </p:nvSpPr>
+        <p:spPr>
+          <a:xfrm>
+            <a:off x="7277876" y="3666930"/>
+            <a:ext cx="1595535" cy="914400"/>
+          </a:xfrm>
+          <a:prstGeom prst="rect">
+            <a:avLst/>
+          </a:prstGeom>
+        </p:spPr>
+        <p:style>
+          <a:lnRef idx="2">
+            <a:schemeClr val="accent1">
+              <a:shade val="50000"/>
+            </a:schemeClr>
+          </a:lnRef>
+          <a:fillRef idx="1">
+            <a:schemeClr val="accent1"/>
+          </a:fillRef>
+          <a:effectRef idx="0">
+            <a:schemeClr val="accent1"/>
+          </a:effectRef>
+          <a:fontRef idx="minor">
+            <a:schemeClr val="lt1"/>
+          </a:fontRef>
+        </p:style>
+        <p:txBody>
+          <a:bodyPr rtlCol="0" anchor="ctr"/>
+          <a:lstStyle/>
+          <a:p>
+            <a:pPr algn="ctr"/>
+            <a:endParaRPr lang="zh-CN" altLang="en-US"/>
+          </a:p>
+        </p:txBody>
+      </p:sp>
+      <p:sp>
+        <p:nvSpPr>
+          <p:cNvPr id="8" name="矩形 7">
+            <a:extLst>
+              <a:ext uri="{FF2B5EF4-FFF2-40B4-BE49-F238E27FC236}">
+                <a16:creationId xmlns:a16="http://schemas.microsoft.com/office/drawing/2014/main" id="{A1CDDFD0-41C1-4C7F-A69B-5CB8E1792DD8}"/>
+              </a:ext>
+            </a:extLst>
+          </p:cNvPr>
+          <p:cNvSpPr/>
+          <p:nvPr/>
+        </p:nvSpPr>
+        <p:spPr>
+          <a:xfrm>
+            <a:off x="7492479" y="3853544"/>
+            <a:ext cx="1595535" cy="914400"/>
+          </a:xfrm>
+          <a:prstGeom prst="rect">
+            <a:avLst/>
+          </a:prstGeom>
+        </p:spPr>
+        <p:style>
+          <a:lnRef idx="2">
+            <a:schemeClr val="accent1">
+              <a:shade val="50000"/>
+            </a:schemeClr>
+          </a:lnRef>
+          <a:fillRef idx="1">
+            <a:schemeClr val="accent1"/>
+          </a:fillRef>
+          <a:effectRef idx="0">
+            <a:schemeClr val="accent1"/>
+          </a:effectRef>
+          <a:fontRef idx="minor">
+            <a:schemeClr val="lt1"/>
+          </a:fontRef>
+        </p:style>
+        <p:txBody>
+          <a:bodyPr rtlCol="0" anchor="ctr"/>
+          <a:lstStyle/>
+          <a:p>
+            <a:pPr algn="ctr"/>
+            <a:r>
+              <a:rPr lang="en-US" altLang="zh-CN" dirty="0"/>
+              <a:t>Worker</a:t>
+            </a:r>
+            <a:endParaRPr lang="zh-CN" altLang="en-US" dirty="0"/>
+          </a:p>
+        </p:txBody>
+      </p:sp>
+      <p:sp>
+        <p:nvSpPr>
+          <p:cNvPr id="9" name="矩形 8">
+            <a:extLst>
+              <a:ext uri="{FF2B5EF4-FFF2-40B4-BE49-F238E27FC236}">
+                <a16:creationId xmlns:a16="http://schemas.microsoft.com/office/drawing/2014/main" id="{AD7667F7-ECC1-4520-AE98-B471D1F647C0}"/>
+              </a:ext>
+            </a:extLst>
+          </p:cNvPr>
+          <p:cNvSpPr/>
+          <p:nvPr/>
+        </p:nvSpPr>
+        <p:spPr>
+          <a:xfrm>
+            <a:off x="4376057" y="1371600"/>
+            <a:ext cx="1548882" cy="914400"/>
+          </a:xfrm>
+          <a:prstGeom prst="rect">
+            <a:avLst/>
+          </a:prstGeom>
+        </p:spPr>
+        <p:style>
+          <a:lnRef idx="2">
+            <a:schemeClr val="accent1">
+              <a:shade val="50000"/>
+            </a:schemeClr>
+          </a:lnRef>
+          <a:fillRef idx="1">
+            <a:schemeClr val="accent1"/>
+          </a:fillRef>
+          <a:effectRef idx="0">
+            <a:schemeClr val="accent1"/>
+          </a:effectRef>
+          <a:fontRef idx="minor">
+            <a:schemeClr val="lt1"/>
+          </a:fontRef>
+        </p:style>
+        <p:txBody>
+          <a:bodyPr rtlCol="0" anchor="ctr"/>
+          <a:lstStyle/>
+          <a:p>
+            <a:pPr algn="ctr"/>
+            <a:r>
+              <a:rPr lang="en-US" altLang="zh-CN" dirty="0"/>
+              <a:t>Scheduler</a:t>
+            </a:r>
+            <a:endParaRPr lang="zh-CN" altLang="en-US" dirty="0"/>
+          </a:p>
+        </p:txBody>
+      </p:sp>
+      <p:cxnSp>
+        <p:nvCxnSpPr>
+          <p:cNvPr id="11" name="直接箭头连接符 10">
+            <a:extLst>
+              <a:ext uri="{FF2B5EF4-FFF2-40B4-BE49-F238E27FC236}">
+                <a16:creationId xmlns:a16="http://schemas.microsoft.com/office/drawing/2014/main" id="{B3588465-77F9-40E9-A012-CA1F6223BAE5}"/>
+              </a:ext>
+            </a:extLst>
+          </p:cNvPr>
+          <p:cNvCxnSpPr>
+            <a:cxnSpLocks/>
+            <a:endCxn id="9" idx="0"/>
+          </p:cNvCxnSpPr>
+          <p:nvPr/>
+        </p:nvCxnSpPr>
+        <p:spPr>
+          <a:xfrm>
+            <a:off x="4376057" y="699796"/>
+            <a:ext cx="774441" cy="671804"/>
+          </a:xfrm>
+          <a:prstGeom prst="straightConnector1">
+            <a:avLst/>
+          </a:prstGeom>
+          <a:ln>
+            <a:tailEnd type="triangle"/>
+          </a:ln>
+        </p:spPr>
+        <p:style>
+          <a:lnRef idx="1">
+            <a:schemeClr val="accent1"/>
+          </a:lnRef>
+          <a:fillRef idx="0">
+            <a:schemeClr val="accent1"/>
+          </a:fillRef>
+          <a:effectRef idx="0">
+            <a:schemeClr val="accent1"/>
+          </a:effectRef>
+          <a:fontRef idx="minor">
+            <a:schemeClr val="tx1"/>
+          </a:fontRef>
+        </p:style>
+      </p:cxnSp>
+      <p:cxnSp>
+        <p:nvCxnSpPr>
+          <p:cNvPr id="13" name="直接箭头连接符 12">
+            <a:extLst>
+              <a:ext uri="{FF2B5EF4-FFF2-40B4-BE49-F238E27FC236}">
+                <a16:creationId xmlns:a16="http://schemas.microsoft.com/office/drawing/2014/main" id="{DF98B9C6-94DF-4512-91EF-3B1D336276A8}"/>
+              </a:ext>
+            </a:extLst>
+          </p:cNvPr>
+          <p:cNvCxnSpPr>
+            <a:stCxn id="9" idx="2"/>
+            <a:endCxn id="4" idx="0"/>
+          </p:cNvCxnSpPr>
+          <p:nvPr/>
+        </p:nvCxnSpPr>
+        <p:spPr>
+          <a:xfrm>
+            <a:off x="5150498" y="2286000"/>
+            <a:ext cx="2383971" cy="699796"/>
+          </a:xfrm>
+          <a:prstGeom prst="straightConnector1">
+            <a:avLst/>
+          </a:prstGeom>
+          <a:ln>
+            <a:tailEnd type="triangle"/>
+          </a:ln>
+        </p:spPr>
+        <p:style>
+          <a:lnRef idx="1">
+            <a:schemeClr val="accent1"/>
+          </a:lnRef>
+          <a:fillRef idx="0">
+            <a:schemeClr val="accent1"/>
+          </a:fillRef>
+          <a:effectRef idx="0">
+            <a:schemeClr val="accent1"/>
+          </a:effectRef>
+          <a:fontRef idx="minor">
+            <a:schemeClr val="tx1"/>
+          </a:fontRef>
+        </p:style>
+      </p:cxnSp>
+      <p:sp>
+        <p:nvSpPr>
+          <p:cNvPr id="14" name="文本框 13">
+            <a:extLst>
+              <a:ext uri="{FF2B5EF4-FFF2-40B4-BE49-F238E27FC236}">
+                <a16:creationId xmlns:a16="http://schemas.microsoft.com/office/drawing/2014/main" id="{1B292A8B-398B-492C-9190-E8152D3905C0}"/>
+              </a:ext>
+            </a:extLst>
+          </p:cNvPr>
+          <p:cNvSpPr txBox="1"/>
+          <p:nvPr/>
+        </p:nvSpPr>
+        <p:spPr>
+          <a:xfrm>
+            <a:off x="3847409" y="989045"/>
+            <a:ext cx="715260" cy="276999"/>
+          </a:xfrm>
+          <a:prstGeom prst="rect">
+            <a:avLst/>
+          </a:prstGeom>
+          <a:noFill/>
+        </p:spPr>
+        <p:txBody>
+          <a:bodyPr wrap="none" rtlCol="0">
+            <a:spAutoFit/>
+          </a:bodyPr>
+          <a:lstStyle/>
+          <a:p>
+            <a:r>
+              <a:rPr lang="en-US" altLang="zh-CN" sz="1200" dirty="0"/>
+              <a:t>Request</a:t>
+            </a:r>
+            <a:endParaRPr lang="zh-CN" altLang="en-US" sz="1200" dirty="0"/>
+          </a:p>
+        </p:txBody>
+      </p:sp>
+      <p:sp>
+        <p:nvSpPr>
+          <p:cNvPr id="15" name="文本框 14">
+            <a:extLst>
+              <a:ext uri="{FF2B5EF4-FFF2-40B4-BE49-F238E27FC236}">
+                <a16:creationId xmlns:a16="http://schemas.microsoft.com/office/drawing/2014/main" id="{26843797-4F49-4B6E-8A38-EC1E556615AA}"/>
+              </a:ext>
+            </a:extLst>
+          </p:cNvPr>
+          <p:cNvSpPr txBox="1"/>
+          <p:nvPr/>
+        </p:nvSpPr>
+        <p:spPr>
+          <a:xfrm>
+            <a:off x="6413327" y="2286000"/>
+            <a:ext cx="715260" cy="276999"/>
+          </a:xfrm>
+          <a:prstGeom prst="rect">
+            <a:avLst/>
+          </a:prstGeom>
+          <a:noFill/>
+        </p:spPr>
+        <p:txBody>
+          <a:bodyPr wrap="none" rtlCol="0">
+            <a:spAutoFit/>
+          </a:bodyPr>
+          <a:lstStyle/>
+          <a:p>
+            <a:r>
+              <a:rPr lang="en-US" altLang="zh-CN" sz="1200" dirty="0"/>
+              <a:t>Request</a:t>
+            </a:r>
+            <a:endParaRPr lang="zh-CN" altLang="en-US" sz="1200" dirty="0"/>
+          </a:p>
+        </p:txBody>
+      </p:sp>
+    </p:spTree>
+    <p:extLst>
+      <p:ext uri="{BB962C8B-B14F-4D97-AF65-F5344CB8AC3E}">
+        <p14:creationId xmlns:p14="http://schemas.microsoft.com/office/powerpoint/2010/main" val="3519250768"/>
+      </p:ext>
+    </p:extLst>
+  </p:cSld>
+  <p:clrMapOvr>
+    <a:masterClrMapping/>
+  </p:clrMapOvr>
+</p:sld>
+</file>
+
+<file path=ppt/slides/slide4.xml><?xml version="1.0" encoding="utf-8"?>
+<p:sld xmlns:a="http://schemas.openxmlformats.org/drawingml/2006/main" xmlns:r="http://schemas.openxmlformats.org/officeDocument/2006/relationships" xmlns:p="http://schemas.openxmlformats.org/presentationml/2006/main">
+  <p:cSld>
+    <p:spTree>
+      <p:nvGrpSpPr>
+        <p:cNvPr id="1" name=""/>
+        <p:cNvGrpSpPr/>
+        <p:nvPr/>
+      </p:nvGrpSpPr>
+      <p:grpSpPr>
+        <a:xfrm>
+          <a:off x="0" y="0"/>
+          <a:ext cx="0" cy="0"/>
+          <a:chOff x="0" y="0"/>
+          <a:chExt cx="0" cy="0"/>
+        </a:xfrm>
+      </p:grpSpPr>
+      <p:sp>
+        <p:nvSpPr>
+          <p:cNvPr id="4" name="矩形 3">
+            <a:extLst>
+              <a:ext uri="{FF2B5EF4-FFF2-40B4-BE49-F238E27FC236}">
+                <a16:creationId xmlns:a16="http://schemas.microsoft.com/office/drawing/2014/main" id="{9418C96E-F112-4152-8D46-F4EAEC0A26C7}"/>
+              </a:ext>
+            </a:extLst>
+          </p:cNvPr>
+          <p:cNvSpPr/>
+          <p:nvPr/>
+        </p:nvSpPr>
+        <p:spPr>
+          <a:xfrm>
+            <a:off x="6736701" y="2985796"/>
+            <a:ext cx="1595535" cy="914400"/>
+          </a:xfrm>
+          <a:prstGeom prst="rect">
+            <a:avLst/>
+          </a:prstGeom>
+        </p:spPr>
+        <p:style>
+          <a:lnRef idx="2">
+            <a:schemeClr val="accent1">
+              <a:shade val="50000"/>
+            </a:schemeClr>
+          </a:lnRef>
+          <a:fillRef idx="1">
+            <a:schemeClr val="accent1"/>
+          </a:fillRef>
+          <a:effectRef idx="0">
+            <a:schemeClr val="accent1"/>
+          </a:effectRef>
+          <a:fontRef idx="minor">
+            <a:schemeClr val="lt1"/>
+          </a:fontRef>
+        </p:style>
+        <p:txBody>
+          <a:bodyPr rtlCol="0" anchor="ctr"/>
+          <a:lstStyle/>
+          <a:p>
+            <a:pPr algn="ctr"/>
+            <a:endParaRPr lang="zh-CN" altLang="en-US"/>
+          </a:p>
+        </p:txBody>
+      </p:sp>
+      <p:sp>
+        <p:nvSpPr>
+          <p:cNvPr id="5" name="矩形 4">
+            <a:extLst>
+              <a:ext uri="{FF2B5EF4-FFF2-40B4-BE49-F238E27FC236}">
+                <a16:creationId xmlns:a16="http://schemas.microsoft.com/office/drawing/2014/main" id="{56982EB8-FC70-4B4C-AD8F-5B49CDB589FB}"/>
+              </a:ext>
+            </a:extLst>
+          </p:cNvPr>
+          <p:cNvSpPr/>
+          <p:nvPr/>
+        </p:nvSpPr>
+        <p:spPr>
+          <a:xfrm>
+            <a:off x="6857999" y="3191070"/>
+            <a:ext cx="1595535" cy="914400"/>
+          </a:xfrm>
+          <a:prstGeom prst="rect">
+            <a:avLst/>
+          </a:prstGeom>
+        </p:spPr>
+        <p:style>
+          <a:lnRef idx="2">
+            <a:schemeClr val="accent1">
+              <a:shade val="50000"/>
+            </a:schemeClr>
+          </a:lnRef>
+          <a:fillRef idx="1">
+            <a:schemeClr val="accent1"/>
+          </a:fillRef>
+          <a:effectRef idx="0">
+            <a:schemeClr val="accent1"/>
+          </a:effectRef>
+          <a:fontRef idx="minor">
+            <a:schemeClr val="lt1"/>
+          </a:fontRef>
+        </p:style>
+        <p:txBody>
+          <a:bodyPr rtlCol="0" anchor="ctr"/>
+          <a:lstStyle/>
+          <a:p>
+            <a:pPr algn="ctr"/>
+            <a:endParaRPr lang="zh-CN" altLang="en-US"/>
+          </a:p>
+        </p:txBody>
+      </p:sp>
+      <p:sp>
+        <p:nvSpPr>
+          <p:cNvPr id="6" name="矩形 5">
+            <a:extLst>
+              <a:ext uri="{FF2B5EF4-FFF2-40B4-BE49-F238E27FC236}">
+                <a16:creationId xmlns:a16="http://schemas.microsoft.com/office/drawing/2014/main" id="{F8A282C8-D022-4BB0-978B-DF52B614FCF4}"/>
+              </a:ext>
+            </a:extLst>
+          </p:cNvPr>
+          <p:cNvSpPr/>
+          <p:nvPr/>
+        </p:nvSpPr>
+        <p:spPr>
+          <a:xfrm>
+            <a:off x="7100595" y="3429000"/>
+            <a:ext cx="1595535" cy="914400"/>
+          </a:xfrm>
+          <a:prstGeom prst="rect">
+            <a:avLst/>
+          </a:prstGeom>
+        </p:spPr>
+        <p:style>
+          <a:lnRef idx="2">
+            <a:schemeClr val="accent1">
+              <a:shade val="50000"/>
+            </a:schemeClr>
+          </a:lnRef>
+          <a:fillRef idx="1">
+            <a:schemeClr val="accent1"/>
+          </a:fillRef>
+          <a:effectRef idx="0">
+            <a:schemeClr val="accent1"/>
+          </a:effectRef>
+          <a:fontRef idx="minor">
+            <a:schemeClr val="lt1"/>
+          </a:fontRef>
+        </p:style>
+        <p:txBody>
+          <a:bodyPr rtlCol="0" anchor="ctr"/>
+          <a:lstStyle/>
+          <a:p>
+            <a:pPr algn="ctr"/>
+            <a:endParaRPr lang="zh-CN" altLang="en-US"/>
+          </a:p>
+        </p:txBody>
+      </p:sp>
+      <p:sp>
+        <p:nvSpPr>
+          <p:cNvPr id="7" name="矩形 6">
+            <a:extLst>
+              <a:ext uri="{FF2B5EF4-FFF2-40B4-BE49-F238E27FC236}">
+                <a16:creationId xmlns:a16="http://schemas.microsoft.com/office/drawing/2014/main" id="{079363BE-5014-4EFE-A9E1-ED12EF9783BD}"/>
+              </a:ext>
+            </a:extLst>
+          </p:cNvPr>
+          <p:cNvSpPr/>
+          <p:nvPr/>
+        </p:nvSpPr>
+        <p:spPr>
+          <a:xfrm>
+            <a:off x="7277876" y="3666930"/>
+            <a:ext cx="1595535" cy="914400"/>
+          </a:xfrm>
+          <a:prstGeom prst="rect">
+            <a:avLst/>
+          </a:prstGeom>
+        </p:spPr>
+        <p:style>
+          <a:lnRef idx="2">
+            <a:schemeClr val="accent1">
+              <a:shade val="50000"/>
+            </a:schemeClr>
+          </a:lnRef>
+          <a:fillRef idx="1">
+            <a:schemeClr val="accent1"/>
+          </a:fillRef>
+          <a:effectRef idx="0">
+            <a:schemeClr val="accent1"/>
+          </a:effectRef>
+          <a:fontRef idx="minor">
+            <a:schemeClr val="lt1"/>
+          </a:fontRef>
+        </p:style>
+        <p:txBody>
+          <a:bodyPr rtlCol="0" anchor="ctr"/>
+          <a:lstStyle/>
+          <a:p>
+            <a:pPr algn="ctr"/>
+            <a:endParaRPr lang="zh-CN" altLang="en-US"/>
+          </a:p>
+        </p:txBody>
+      </p:sp>
+      <p:sp>
+        <p:nvSpPr>
+          <p:cNvPr id="8" name="矩形 7">
+            <a:extLst>
+              <a:ext uri="{FF2B5EF4-FFF2-40B4-BE49-F238E27FC236}">
+                <a16:creationId xmlns:a16="http://schemas.microsoft.com/office/drawing/2014/main" id="{D3874C77-08C5-46B5-88BA-20997473A611}"/>
+              </a:ext>
+            </a:extLst>
+          </p:cNvPr>
+          <p:cNvSpPr/>
+          <p:nvPr/>
+        </p:nvSpPr>
+        <p:spPr>
+          <a:xfrm>
+            <a:off x="7492479" y="3853544"/>
+            <a:ext cx="1595535" cy="914400"/>
+          </a:xfrm>
+          <a:prstGeom prst="rect">
+            <a:avLst/>
+          </a:prstGeom>
+        </p:spPr>
+        <p:style>
+          <a:lnRef idx="2">
+            <a:schemeClr val="accent1">
+              <a:shade val="50000"/>
+            </a:schemeClr>
+          </a:lnRef>
+          <a:fillRef idx="1">
+            <a:schemeClr val="accent1"/>
+          </a:fillRef>
+          <a:effectRef idx="0">
+            <a:schemeClr val="accent1"/>
+          </a:effectRef>
+          <a:fontRef idx="minor">
+            <a:schemeClr val="lt1"/>
+          </a:fontRef>
+        </p:style>
+        <p:txBody>
+          <a:bodyPr rtlCol="0" anchor="ctr"/>
+          <a:lstStyle/>
+          <a:p>
+            <a:pPr algn="ctr"/>
+            <a:r>
+              <a:rPr lang="en-US" altLang="zh-CN" dirty="0"/>
+              <a:t>Worker</a:t>
+            </a:r>
+            <a:endParaRPr lang="zh-CN" altLang="en-US" dirty="0"/>
+          </a:p>
+        </p:txBody>
+      </p:sp>
+      <p:sp>
+        <p:nvSpPr>
+          <p:cNvPr id="9" name="矩形 8">
+            <a:extLst>
+              <a:ext uri="{FF2B5EF4-FFF2-40B4-BE49-F238E27FC236}">
+                <a16:creationId xmlns:a16="http://schemas.microsoft.com/office/drawing/2014/main" id="{A15AA5FF-A2B3-44C5-95EE-99E5F0BB8C2D}"/>
+              </a:ext>
+            </a:extLst>
+          </p:cNvPr>
+          <p:cNvSpPr/>
+          <p:nvPr/>
+        </p:nvSpPr>
+        <p:spPr>
+          <a:xfrm>
+            <a:off x="4376057" y="1371600"/>
+            <a:ext cx="1548882" cy="914400"/>
+          </a:xfrm>
+          <a:prstGeom prst="rect">
+            <a:avLst/>
+          </a:prstGeom>
+        </p:spPr>
+        <p:style>
+          <a:lnRef idx="2">
+            <a:schemeClr val="accent1">
+              <a:shade val="50000"/>
+            </a:schemeClr>
+          </a:lnRef>
+          <a:fillRef idx="1">
+            <a:schemeClr val="accent1"/>
+          </a:fillRef>
+          <a:effectRef idx="0">
+            <a:schemeClr val="accent1"/>
+          </a:effectRef>
+          <a:fontRef idx="minor">
+            <a:schemeClr val="lt1"/>
+          </a:fontRef>
+        </p:style>
+        <p:txBody>
+          <a:bodyPr rtlCol="0" anchor="ctr"/>
+          <a:lstStyle/>
+          <a:p>
+            <a:pPr algn="ctr"/>
+            <a:r>
+              <a:rPr lang="en-US" altLang="zh-CN" dirty="0"/>
+              <a:t>Scheduler</a:t>
+            </a:r>
+            <a:endParaRPr lang="zh-CN" altLang="en-US" dirty="0"/>
+          </a:p>
+        </p:txBody>
+      </p:sp>
+      <p:cxnSp>
+        <p:nvCxnSpPr>
+          <p:cNvPr id="10" name="直接箭头连接符 9">
+            <a:extLst>
+              <a:ext uri="{FF2B5EF4-FFF2-40B4-BE49-F238E27FC236}">
+                <a16:creationId xmlns:a16="http://schemas.microsoft.com/office/drawing/2014/main" id="{C5AB9B0B-0F2E-497D-AEE0-4E0AEC19422A}"/>
+              </a:ext>
+            </a:extLst>
+          </p:cNvPr>
+          <p:cNvCxnSpPr>
+            <a:cxnSpLocks/>
+            <a:endCxn id="9" idx="0"/>
+          </p:cNvCxnSpPr>
+          <p:nvPr/>
+        </p:nvCxnSpPr>
+        <p:spPr>
+          <a:xfrm>
+            <a:off x="4376057" y="699796"/>
+            <a:ext cx="774441" cy="671804"/>
+          </a:xfrm>
+          <a:prstGeom prst="straightConnector1">
+            <a:avLst/>
+          </a:prstGeom>
+          <a:ln>
+            <a:tailEnd type="triangle"/>
+          </a:ln>
+        </p:spPr>
+        <p:style>
+          <a:lnRef idx="1">
+            <a:schemeClr val="accent1"/>
+          </a:lnRef>
+          <a:fillRef idx="0">
+            <a:schemeClr val="accent1"/>
+          </a:fillRef>
+          <a:effectRef idx="0">
+            <a:schemeClr val="accent1"/>
+          </a:effectRef>
+          <a:fontRef idx="minor">
+            <a:schemeClr val="tx1"/>
+          </a:fontRef>
+        </p:style>
+      </p:cxnSp>
+      <p:cxnSp>
+        <p:nvCxnSpPr>
+          <p:cNvPr id="11" name="直接箭头连接符 10">
+            <a:extLst>
+              <a:ext uri="{FF2B5EF4-FFF2-40B4-BE49-F238E27FC236}">
+                <a16:creationId xmlns:a16="http://schemas.microsoft.com/office/drawing/2014/main" id="{BAD2BC3E-0C93-4CAD-8C73-E58933001D27}"/>
+              </a:ext>
+            </a:extLst>
+          </p:cNvPr>
+          <p:cNvCxnSpPr>
+            <a:cxnSpLocks/>
+            <a:stCxn id="9" idx="2"/>
+            <a:endCxn id="14" idx="0"/>
+          </p:cNvCxnSpPr>
+          <p:nvPr/>
+        </p:nvCxnSpPr>
+        <p:spPr>
+          <a:xfrm flipH="1">
+            <a:off x="3430599" y="2286000"/>
+            <a:ext cx="1719899" cy="765110"/>
+          </a:xfrm>
+          <a:prstGeom prst="straightConnector1">
+            <a:avLst/>
+          </a:prstGeom>
+          <a:ln>
+            <a:tailEnd type="triangle"/>
+          </a:ln>
+        </p:spPr>
+        <p:style>
+          <a:lnRef idx="1">
+            <a:schemeClr val="accent1"/>
+          </a:lnRef>
+          <a:fillRef idx="0">
+            <a:schemeClr val="accent1"/>
+          </a:fillRef>
+          <a:effectRef idx="0">
+            <a:schemeClr val="accent1"/>
+          </a:effectRef>
+          <a:fontRef idx="minor">
+            <a:schemeClr val="tx1"/>
+          </a:fontRef>
+        </p:style>
+      </p:cxnSp>
+      <p:sp>
+        <p:nvSpPr>
+          <p:cNvPr id="12" name="文本框 11">
+            <a:extLst>
+              <a:ext uri="{FF2B5EF4-FFF2-40B4-BE49-F238E27FC236}">
+                <a16:creationId xmlns:a16="http://schemas.microsoft.com/office/drawing/2014/main" id="{DA5F8B9A-4A75-46F1-B733-FB0870D69B89}"/>
+              </a:ext>
+            </a:extLst>
+          </p:cNvPr>
+          <p:cNvSpPr txBox="1"/>
+          <p:nvPr/>
+        </p:nvSpPr>
+        <p:spPr>
+          <a:xfrm>
+            <a:off x="3847409" y="989045"/>
+            <a:ext cx="715260" cy="276999"/>
+          </a:xfrm>
+          <a:prstGeom prst="rect">
+            <a:avLst/>
+          </a:prstGeom>
+          <a:noFill/>
+        </p:spPr>
+        <p:txBody>
+          <a:bodyPr wrap="none" rtlCol="0">
+            <a:spAutoFit/>
+          </a:bodyPr>
+          <a:lstStyle/>
+          <a:p>
+            <a:r>
+              <a:rPr lang="en-US" altLang="zh-CN" sz="1200" dirty="0"/>
+              <a:t>Request</a:t>
+            </a:r>
+            <a:endParaRPr lang="zh-CN" altLang="en-US" sz="1200" dirty="0"/>
+          </a:p>
+        </p:txBody>
+      </p:sp>
+      <p:sp>
+        <p:nvSpPr>
+          <p:cNvPr id="13" name="文本框 12">
+            <a:extLst>
+              <a:ext uri="{FF2B5EF4-FFF2-40B4-BE49-F238E27FC236}">
+                <a16:creationId xmlns:a16="http://schemas.microsoft.com/office/drawing/2014/main" id="{C31977AB-225D-451A-8E7E-511508EB0317}"/>
+              </a:ext>
+            </a:extLst>
+          </p:cNvPr>
+          <p:cNvSpPr txBox="1"/>
+          <p:nvPr/>
+        </p:nvSpPr>
+        <p:spPr>
+          <a:xfrm>
+            <a:off x="2984326" y="2382225"/>
+            <a:ext cx="1484702" cy="276999"/>
+          </a:xfrm>
+          <a:prstGeom prst="rect">
+            <a:avLst/>
+          </a:prstGeom>
+          <a:noFill/>
+        </p:spPr>
+        <p:txBody>
+          <a:bodyPr wrap="none" rtlCol="0">
+            <a:spAutoFit/>
+          </a:bodyPr>
+          <a:lstStyle/>
+          <a:p>
+            <a:r>
+              <a:rPr lang="zh-CN" altLang="en-US" sz="1200" dirty="0"/>
+              <a:t>为每个</a:t>
+            </a:r>
+            <a:r>
+              <a:rPr lang="en-US" altLang="zh-CN" sz="1200" dirty="0"/>
+              <a:t>Request</a:t>
+            </a:r>
+            <a:r>
+              <a:rPr lang="zh-CN" altLang="en-US" sz="1200" dirty="0"/>
+              <a:t>创建</a:t>
+            </a:r>
+          </a:p>
+        </p:txBody>
+      </p:sp>
+      <p:sp>
+        <p:nvSpPr>
+          <p:cNvPr id="14" name="矩形 13">
+            <a:extLst>
+              <a:ext uri="{FF2B5EF4-FFF2-40B4-BE49-F238E27FC236}">
+                <a16:creationId xmlns:a16="http://schemas.microsoft.com/office/drawing/2014/main" id="{0BE59BE7-19FC-42A4-8017-6C6A276D04ED}"/>
+              </a:ext>
+            </a:extLst>
+          </p:cNvPr>
+          <p:cNvSpPr/>
+          <p:nvPr/>
+        </p:nvSpPr>
+        <p:spPr>
+          <a:xfrm>
+            <a:off x="2656158" y="3051110"/>
+            <a:ext cx="1548881" cy="914400"/>
+          </a:xfrm>
+          <a:prstGeom prst="rect">
+            <a:avLst/>
+          </a:prstGeom>
+        </p:spPr>
+        <p:style>
+          <a:lnRef idx="2">
+            <a:schemeClr val="accent1">
+              <a:shade val="50000"/>
+            </a:schemeClr>
+          </a:lnRef>
+          <a:fillRef idx="1">
+            <a:schemeClr val="accent1"/>
+          </a:fillRef>
+          <a:effectRef idx="0">
+            <a:schemeClr val="accent1"/>
+          </a:effectRef>
+          <a:fontRef idx="minor">
+            <a:schemeClr val="lt1"/>
+          </a:fontRef>
+        </p:style>
+        <p:txBody>
+          <a:bodyPr rtlCol="0" anchor="ctr"/>
+          <a:lstStyle/>
+          <a:p>
+            <a:pPr algn="ctr"/>
+            <a:endParaRPr lang="zh-CN" altLang="en-US"/>
+          </a:p>
+        </p:txBody>
+      </p:sp>
+      <p:sp>
+        <p:nvSpPr>
+          <p:cNvPr id="15" name="矩形 14">
+            <a:extLst>
+              <a:ext uri="{FF2B5EF4-FFF2-40B4-BE49-F238E27FC236}">
+                <a16:creationId xmlns:a16="http://schemas.microsoft.com/office/drawing/2014/main" id="{A192141D-98A7-4DFF-89C7-FF2FF0B80F37}"/>
+              </a:ext>
+            </a:extLst>
+          </p:cNvPr>
+          <p:cNvSpPr/>
+          <p:nvPr/>
+        </p:nvSpPr>
+        <p:spPr>
+          <a:xfrm>
+            <a:off x="2889088" y="3265714"/>
+            <a:ext cx="1548881" cy="914400"/>
+          </a:xfrm>
+          <a:prstGeom prst="rect">
+            <a:avLst/>
+          </a:prstGeom>
+        </p:spPr>
+        <p:style>
+          <a:lnRef idx="2">
+            <a:schemeClr val="accent1">
+              <a:shade val="50000"/>
+            </a:schemeClr>
+          </a:lnRef>
+          <a:fillRef idx="1">
+            <a:schemeClr val="accent1"/>
+          </a:fillRef>
+          <a:effectRef idx="0">
+            <a:schemeClr val="accent1"/>
+          </a:effectRef>
+          <a:fontRef idx="minor">
+            <a:schemeClr val="lt1"/>
+          </a:fontRef>
+        </p:style>
+        <p:txBody>
+          <a:bodyPr rtlCol="0" anchor="ctr"/>
+          <a:lstStyle/>
+          <a:p>
+            <a:pPr algn="ctr"/>
+            <a:endParaRPr lang="zh-CN" altLang="en-US"/>
+          </a:p>
+        </p:txBody>
+      </p:sp>
+      <p:sp>
+        <p:nvSpPr>
+          <p:cNvPr id="16" name="矩形 15">
+            <a:extLst>
+              <a:ext uri="{FF2B5EF4-FFF2-40B4-BE49-F238E27FC236}">
+                <a16:creationId xmlns:a16="http://schemas.microsoft.com/office/drawing/2014/main" id="{1E965C74-132A-4BD0-A2A3-6A447E54846C}"/>
+              </a:ext>
+            </a:extLst>
+          </p:cNvPr>
+          <p:cNvSpPr/>
+          <p:nvPr/>
+        </p:nvSpPr>
+        <p:spPr>
+          <a:xfrm>
+            <a:off x="3085364" y="3480318"/>
+            <a:ext cx="1548881" cy="914400"/>
+          </a:xfrm>
+          <a:prstGeom prst="rect">
+            <a:avLst/>
+          </a:prstGeom>
+        </p:spPr>
+        <p:style>
+          <a:lnRef idx="2">
+            <a:schemeClr val="accent1">
+              <a:shade val="50000"/>
+            </a:schemeClr>
+          </a:lnRef>
+          <a:fillRef idx="1">
+            <a:schemeClr val="accent1"/>
+          </a:fillRef>
+          <a:effectRef idx="0">
+            <a:schemeClr val="accent1"/>
+          </a:effectRef>
+          <a:fontRef idx="minor">
+            <a:schemeClr val="lt1"/>
+          </a:fontRef>
+        </p:style>
+        <p:txBody>
+          <a:bodyPr rtlCol="0" anchor="ctr"/>
+          <a:lstStyle/>
+          <a:p>
+            <a:pPr algn="ctr"/>
+            <a:endParaRPr lang="zh-CN" altLang="en-US"/>
+          </a:p>
+        </p:txBody>
+      </p:sp>
+      <p:sp>
+        <p:nvSpPr>
+          <p:cNvPr id="17" name="矩形 16">
+            <a:extLst>
+              <a:ext uri="{FF2B5EF4-FFF2-40B4-BE49-F238E27FC236}">
+                <a16:creationId xmlns:a16="http://schemas.microsoft.com/office/drawing/2014/main" id="{FE7DA9CD-6758-4BEA-BF84-BDBEE223FA5D}"/>
+              </a:ext>
+            </a:extLst>
+          </p:cNvPr>
+          <p:cNvSpPr/>
+          <p:nvPr/>
+        </p:nvSpPr>
+        <p:spPr>
+          <a:xfrm>
+            <a:off x="3362151" y="3638940"/>
+            <a:ext cx="1548881" cy="914400"/>
+          </a:xfrm>
+          <a:prstGeom prst="rect">
+            <a:avLst/>
+          </a:prstGeom>
+        </p:spPr>
+        <p:style>
+          <a:lnRef idx="2">
+            <a:schemeClr val="accent1">
+              <a:shade val="50000"/>
+            </a:schemeClr>
+          </a:lnRef>
+          <a:fillRef idx="1">
+            <a:schemeClr val="accent1"/>
+          </a:fillRef>
+          <a:effectRef idx="0">
+            <a:schemeClr val="accent1"/>
+          </a:effectRef>
+          <a:fontRef idx="minor">
+            <a:schemeClr val="lt1"/>
+          </a:fontRef>
+        </p:style>
+        <p:txBody>
+          <a:bodyPr rtlCol="0" anchor="ctr"/>
+          <a:lstStyle/>
+          <a:p>
+            <a:pPr algn="ctr"/>
+            <a:endParaRPr lang="zh-CN" altLang="en-US"/>
+          </a:p>
+        </p:txBody>
+      </p:sp>
+      <p:sp>
+        <p:nvSpPr>
+          <p:cNvPr id="18" name="矩形 17">
+            <a:extLst>
+              <a:ext uri="{FF2B5EF4-FFF2-40B4-BE49-F238E27FC236}">
+                <a16:creationId xmlns:a16="http://schemas.microsoft.com/office/drawing/2014/main" id="{55709D98-4236-4FFA-B623-88DF400F7F00}"/>
+              </a:ext>
+            </a:extLst>
+          </p:cNvPr>
+          <p:cNvSpPr/>
+          <p:nvPr/>
+        </p:nvSpPr>
+        <p:spPr>
+          <a:xfrm>
+            <a:off x="3568992" y="3797562"/>
+            <a:ext cx="1548881" cy="914400"/>
+          </a:xfrm>
+          <a:prstGeom prst="rect">
+            <a:avLst/>
+          </a:prstGeom>
+        </p:spPr>
+        <p:style>
+          <a:lnRef idx="2">
+            <a:schemeClr val="accent1">
+              <a:shade val="50000"/>
+            </a:schemeClr>
+          </a:lnRef>
+          <a:fillRef idx="1">
+            <a:schemeClr val="accent1"/>
+          </a:fillRef>
+          <a:effectRef idx="0">
+            <a:schemeClr val="accent1"/>
+          </a:effectRef>
+          <a:fontRef idx="minor">
+            <a:schemeClr val="lt1"/>
+          </a:fontRef>
+        </p:style>
+        <p:txBody>
+          <a:bodyPr rtlCol="0" anchor="ctr"/>
+          <a:lstStyle/>
+          <a:p>
+            <a:pPr algn="ctr"/>
+            <a:endParaRPr lang="zh-CN" altLang="en-US"/>
+          </a:p>
+        </p:txBody>
+      </p:sp>
+      <p:sp>
+        <p:nvSpPr>
+          <p:cNvPr id="19" name="矩形 18">
+            <a:extLst>
+              <a:ext uri="{FF2B5EF4-FFF2-40B4-BE49-F238E27FC236}">
+                <a16:creationId xmlns:a16="http://schemas.microsoft.com/office/drawing/2014/main" id="{F568F1AC-3B58-453F-A20D-BD7EDFFB926B}"/>
+              </a:ext>
+            </a:extLst>
+          </p:cNvPr>
+          <p:cNvSpPr/>
+          <p:nvPr/>
+        </p:nvSpPr>
+        <p:spPr>
+          <a:xfrm>
+            <a:off x="3733842" y="4016829"/>
+            <a:ext cx="1548881" cy="914400"/>
+          </a:xfrm>
+          <a:prstGeom prst="rect">
+            <a:avLst/>
+          </a:prstGeom>
+        </p:spPr>
+        <p:style>
+          <a:lnRef idx="2">
+            <a:schemeClr val="accent1">
+              <a:shade val="50000"/>
+            </a:schemeClr>
+          </a:lnRef>
+          <a:fillRef idx="1">
+            <a:schemeClr val="accent1"/>
+          </a:fillRef>
+          <a:effectRef idx="0">
+            <a:schemeClr val="accent1"/>
+          </a:effectRef>
+          <a:fontRef idx="minor">
+            <a:schemeClr val="lt1"/>
+          </a:fontRef>
+        </p:style>
+        <p:txBody>
+          <a:bodyPr rtlCol="0" anchor="ctr"/>
+          <a:lstStyle/>
+          <a:p>
+            <a:pPr algn="ctr"/>
+            <a:r>
+              <a:rPr lang="en-US" altLang="zh-CN" dirty="0"/>
+              <a:t>goroutine</a:t>
+            </a:r>
+            <a:endParaRPr lang="zh-CN" altLang="en-US" dirty="0"/>
+          </a:p>
+        </p:txBody>
+      </p:sp>
+      <p:cxnSp>
+        <p:nvCxnSpPr>
+          <p:cNvPr id="24" name="直接箭头连接符 23">
+            <a:extLst>
+              <a:ext uri="{FF2B5EF4-FFF2-40B4-BE49-F238E27FC236}">
+                <a16:creationId xmlns:a16="http://schemas.microsoft.com/office/drawing/2014/main" id="{568B9184-903E-4896-A56A-9F05BC4407C6}"/>
+              </a:ext>
+            </a:extLst>
+          </p:cNvPr>
+          <p:cNvCxnSpPr>
+            <a:cxnSpLocks/>
+            <a:endCxn id="4" idx="1"/>
+          </p:cNvCxnSpPr>
+          <p:nvPr/>
+        </p:nvCxnSpPr>
+        <p:spPr>
+          <a:xfrm>
+            <a:off x="4290548" y="3191070"/>
+            <a:ext cx="2446153" cy="251926"/>
+          </a:xfrm>
+          <a:prstGeom prst="straightConnector1">
+            <a:avLst/>
+          </a:prstGeom>
+          <a:ln>
+            <a:tailEnd type="triangle"/>
+          </a:ln>
+        </p:spPr>
+        <p:style>
+          <a:lnRef idx="1">
+            <a:schemeClr val="accent1"/>
+          </a:lnRef>
+          <a:fillRef idx="0">
+            <a:schemeClr val="accent1"/>
+          </a:fillRef>
+          <a:effectRef idx="0">
+            <a:schemeClr val="accent1"/>
+          </a:effectRef>
+          <a:fontRef idx="minor">
+            <a:schemeClr val="tx1"/>
+          </a:fontRef>
+        </p:style>
+      </p:cxnSp>
+      <p:cxnSp>
+        <p:nvCxnSpPr>
+          <p:cNvPr id="25" name="直接箭头连接符 24">
+            <a:extLst>
+              <a:ext uri="{FF2B5EF4-FFF2-40B4-BE49-F238E27FC236}">
+                <a16:creationId xmlns:a16="http://schemas.microsoft.com/office/drawing/2014/main" id="{5C350F11-6DA5-4DFA-959B-105F970D7F2D}"/>
+              </a:ext>
+            </a:extLst>
+          </p:cNvPr>
+          <p:cNvCxnSpPr/>
+          <p:nvPr/>
+        </p:nvCxnSpPr>
+        <p:spPr>
+          <a:xfrm>
+            <a:off x="4579525" y="3331028"/>
+            <a:ext cx="2156905" cy="139958"/>
+          </a:xfrm>
+          <a:prstGeom prst="straightConnector1">
+            <a:avLst/>
+          </a:prstGeom>
+          <a:ln>
+            <a:tailEnd type="triangle"/>
+          </a:ln>
+        </p:spPr>
+        <p:style>
+          <a:lnRef idx="1">
+            <a:schemeClr val="accent1"/>
+          </a:lnRef>
+          <a:fillRef idx="0">
+            <a:schemeClr val="accent1"/>
+          </a:fillRef>
+          <a:effectRef idx="0">
+            <a:schemeClr val="accent1"/>
+          </a:effectRef>
+          <a:fontRef idx="minor">
+            <a:schemeClr val="tx1"/>
+          </a:fontRef>
+        </p:style>
+      </p:cxnSp>
+      <p:cxnSp>
+        <p:nvCxnSpPr>
+          <p:cNvPr id="28" name="直接箭头连接符 27">
+            <a:extLst>
+              <a:ext uri="{FF2B5EF4-FFF2-40B4-BE49-F238E27FC236}">
+                <a16:creationId xmlns:a16="http://schemas.microsoft.com/office/drawing/2014/main" id="{25CE9474-B3E9-4C36-B110-2BE7FA6E2AA1}"/>
+              </a:ext>
+            </a:extLst>
+          </p:cNvPr>
+          <p:cNvCxnSpPr>
+            <a:endCxn id="4" idx="1"/>
+          </p:cNvCxnSpPr>
+          <p:nvPr/>
+        </p:nvCxnSpPr>
+        <p:spPr>
+          <a:xfrm flipV="1">
+            <a:off x="4763277" y="3442996"/>
+            <a:ext cx="1973424" cy="88642"/>
+          </a:xfrm>
+          <a:prstGeom prst="straightConnector1">
+            <a:avLst/>
+          </a:prstGeom>
+          <a:ln>
+            <a:tailEnd type="triangle"/>
+          </a:ln>
+        </p:spPr>
+        <p:style>
+          <a:lnRef idx="1">
+            <a:schemeClr val="accent1"/>
+          </a:lnRef>
+          <a:fillRef idx="0">
+            <a:schemeClr val="accent1"/>
+          </a:fillRef>
+          <a:effectRef idx="0">
+            <a:schemeClr val="accent1"/>
+          </a:effectRef>
+          <a:fontRef idx="minor">
+            <a:schemeClr val="tx1"/>
+          </a:fontRef>
+        </p:style>
+      </p:cxnSp>
+      <p:cxnSp>
+        <p:nvCxnSpPr>
+          <p:cNvPr id="30" name="直接箭头连接符 29">
+            <a:extLst>
+              <a:ext uri="{FF2B5EF4-FFF2-40B4-BE49-F238E27FC236}">
+                <a16:creationId xmlns:a16="http://schemas.microsoft.com/office/drawing/2014/main" id="{6D34AC01-5934-433F-A580-260D10295E44}"/>
+              </a:ext>
+            </a:extLst>
+          </p:cNvPr>
+          <p:cNvCxnSpPr>
+            <a:endCxn id="4" idx="1"/>
+          </p:cNvCxnSpPr>
+          <p:nvPr/>
+        </p:nvCxnSpPr>
+        <p:spPr>
+          <a:xfrm flipV="1">
+            <a:off x="4959553" y="3442996"/>
+            <a:ext cx="1777148" cy="286916"/>
+          </a:xfrm>
+          <a:prstGeom prst="straightConnector1">
+            <a:avLst/>
+          </a:prstGeom>
+          <a:ln>
+            <a:tailEnd type="triangle"/>
+          </a:ln>
+        </p:spPr>
+        <p:style>
+          <a:lnRef idx="1">
+            <a:schemeClr val="accent1"/>
+          </a:lnRef>
+          <a:fillRef idx="0">
+            <a:schemeClr val="accent1"/>
+          </a:fillRef>
+          <a:effectRef idx="0">
+            <a:schemeClr val="accent1"/>
+          </a:effectRef>
+          <a:fontRef idx="minor">
+            <a:schemeClr val="tx1"/>
+          </a:fontRef>
+        </p:style>
+      </p:cxnSp>
+      <p:cxnSp>
+        <p:nvCxnSpPr>
+          <p:cNvPr id="32" name="直接箭头连接符 31">
+            <a:extLst>
+              <a:ext uri="{FF2B5EF4-FFF2-40B4-BE49-F238E27FC236}">
+                <a16:creationId xmlns:a16="http://schemas.microsoft.com/office/drawing/2014/main" id="{E8D4606B-D9CC-48AA-A189-B0C2C50DAE54}"/>
+              </a:ext>
+            </a:extLst>
+          </p:cNvPr>
+          <p:cNvCxnSpPr>
+            <a:endCxn id="4" idx="1"/>
+          </p:cNvCxnSpPr>
+          <p:nvPr/>
+        </p:nvCxnSpPr>
+        <p:spPr>
+          <a:xfrm flipV="1">
+            <a:off x="5181787" y="3442996"/>
+            <a:ext cx="1554914" cy="522514"/>
+          </a:xfrm>
+          <a:prstGeom prst="straightConnector1">
+            <a:avLst/>
+          </a:prstGeom>
+          <a:ln>
+            <a:tailEnd type="triangle"/>
+          </a:ln>
+        </p:spPr>
+        <p:style>
+          <a:lnRef idx="1">
+            <a:schemeClr val="accent1"/>
+          </a:lnRef>
+          <a:fillRef idx="0">
+            <a:schemeClr val="accent1"/>
+          </a:fillRef>
+          <a:effectRef idx="0">
+            <a:schemeClr val="accent1"/>
+          </a:effectRef>
+          <a:fontRef idx="minor">
+            <a:schemeClr val="tx1"/>
+          </a:fontRef>
+        </p:style>
+      </p:cxnSp>
+      <p:cxnSp>
+        <p:nvCxnSpPr>
+          <p:cNvPr id="34" name="直接箭头连接符 33">
+            <a:extLst>
+              <a:ext uri="{FF2B5EF4-FFF2-40B4-BE49-F238E27FC236}">
+                <a16:creationId xmlns:a16="http://schemas.microsoft.com/office/drawing/2014/main" id="{AC802570-9A58-4FCF-A31D-8CC56AC317A9}"/>
+              </a:ext>
+            </a:extLst>
+          </p:cNvPr>
+          <p:cNvCxnSpPr>
+            <a:endCxn id="4" idx="1"/>
+          </p:cNvCxnSpPr>
+          <p:nvPr/>
+        </p:nvCxnSpPr>
+        <p:spPr>
+          <a:xfrm flipV="1">
+            <a:off x="5360469" y="3442996"/>
+            <a:ext cx="1376232" cy="1031033"/>
+          </a:xfrm>
+          <a:prstGeom prst="straightConnector1">
+            <a:avLst/>
+          </a:prstGeom>
+          <a:ln>
+            <a:tailEnd type="triangle"/>
+          </a:ln>
+        </p:spPr>
+        <p:style>
+          <a:lnRef idx="1">
+            <a:schemeClr val="accent1"/>
+          </a:lnRef>
+          <a:fillRef idx="0">
+            <a:schemeClr val="accent1"/>
+          </a:fillRef>
+          <a:effectRef idx="0">
+            <a:schemeClr val="accent1"/>
+          </a:effectRef>
+          <a:fontRef idx="minor">
+            <a:schemeClr val="tx1"/>
+          </a:fontRef>
+        </p:style>
+      </p:cxnSp>
+      <p:sp>
+        <p:nvSpPr>
+          <p:cNvPr id="35" name="文本框 34">
+            <a:extLst>
+              <a:ext uri="{FF2B5EF4-FFF2-40B4-BE49-F238E27FC236}">
+                <a16:creationId xmlns:a16="http://schemas.microsoft.com/office/drawing/2014/main" id="{B397739D-3EDC-4F42-B152-D67F1EA1CB68}"/>
+              </a:ext>
+            </a:extLst>
+          </p:cNvPr>
+          <p:cNvSpPr txBox="1"/>
+          <p:nvPr/>
+        </p:nvSpPr>
+        <p:spPr>
+          <a:xfrm>
+            <a:off x="5308912" y="2994254"/>
+            <a:ext cx="715260" cy="276999"/>
+          </a:xfrm>
+          <a:prstGeom prst="rect">
+            <a:avLst/>
+          </a:prstGeom>
+          <a:noFill/>
+        </p:spPr>
+        <p:txBody>
+          <a:bodyPr wrap="none" rtlCol="0">
+            <a:spAutoFit/>
+          </a:bodyPr>
+          <a:lstStyle/>
+          <a:p>
+            <a:r>
+              <a:rPr lang="en-US" altLang="zh-CN" sz="1200" dirty="0"/>
+              <a:t>Request</a:t>
+            </a:r>
+            <a:endParaRPr lang="zh-CN" altLang="en-US" sz="1200" dirty="0"/>
+          </a:p>
+        </p:txBody>
+      </p:sp>
+    </p:spTree>
+    <p:extLst>
+      <p:ext uri="{BB962C8B-B14F-4D97-AF65-F5344CB8AC3E}">
+        <p14:creationId xmlns:p14="http://schemas.microsoft.com/office/powerpoint/2010/main" val="179686597"/>
+      </p:ext>
+    </p:extLst>
+  </p:cSld>
+  <p:clrMapOvr>
+    <a:masterClrMapping/>
+  </p:clrMapOvr>
+</p:sld>
+</file>
+
+<file path=ppt/slides/slide5.xml><?xml version="1.0" encoding="utf-8"?>
+<p:sld xmlns:a="http://schemas.openxmlformats.org/drawingml/2006/main" xmlns:r="http://schemas.openxmlformats.org/officeDocument/2006/relationships" xmlns:p="http://schemas.openxmlformats.org/presentationml/2006/main">
+  <p:cSld>
+    <p:spTree>
+      <p:nvGrpSpPr>
+        <p:cNvPr id="1" name=""/>
+        <p:cNvGrpSpPr/>
+        <p:nvPr/>
+      </p:nvGrpSpPr>
+      <p:grpSpPr>
+        <a:xfrm>
+          <a:off x="0" y="0"/>
+          <a:ext cx="0" cy="0"/>
+          <a:chOff x="0" y="0"/>
+          <a:chExt cx="0" cy="0"/>
+        </a:xfrm>
+      </p:grpSpPr>
+      <p:sp>
+        <p:nvSpPr>
+          <p:cNvPr id="4" name="矩形 3">
+            <a:extLst>
+              <a:ext uri="{FF2B5EF4-FFF2-40B4-BE49-F238E27FC236}">
+                <a16:creationId xmlns:a16="http://schemas.microsoft.com/office/drawing/2014/main" id="{0E46D3FC-3405-4407-82A7-5FA87DA58872}"/>
+              </a:ext>
+            </a:extLst>
+          </p:cNvPr>
+          <p:cNvSpPr/>
+          <p:nvPr/>
+        </p:nvSpPr>
+        <p:spPr>
+          <a:xfrm>
+            <a:off x="3023118" y="1782147"/>
+            <a:ext cx="1794588" cy="681135"/>
+          </a:xfrm>
+          <a:prstGeom prst="rect">
+            <a:avLst/>
+          </a:prstGeom>
+        </p:spPr>
+        <p:style>
+          <a:lnRef idx="2">
+            <a:schemeClr val="accent1">
+              <a:shade val="50000"/>
+            </a:schemeClr>
+          </a:lnRef>
+          <a:fillRef idx="1">
+            <a:schemeClr val="accent1"/>
+          </a:fillRef>
+          <a:effectRef idx="0">
+            <a:schemeClr val="accent1"/>
+          </a:effectRef>
+          <a:fontRef idx="minor">
+            <a:schemeClr val="lt1"/>
+          </a:fontRef>
+        </p:style>
+        <p:txBody>
+          <a:bodyPr rtlCol="0" anchor="ctr"/>
+          <a:lstStyle/>
+          <a:p>
+            <a:pPr algn="ctr"/>
+            <a:r>
+              <a:rPr lang="en-US" altLang="zh-CN" dirty="0"/>
+              <a:t>Scheduler</a:t>
+            </a:r>
+            <a:endParaRPr lang="zh-CN" altLang="en-US" dirty="0"/>
+          </a:p>
+        </p:txBody>
+      </p:sp>
+      <p:sp>
+        <p:nvSpPr>
+          <p:cNvPr id="7" name="箭头: 上下 6">
+            <a:extLst>
+              <a:ext uri="{FF2B5EF4-FFF2-40B4-BE49-F238E27FC236}">
+                <a16:creationId xmlns:a16="http://schemas.microsoft.com/office/drawing/2014/main" id="{1DFCD0BE-1208-4304-9539-69B05FF56A06}"/>
+              </a:ext>
+            </a:extLst>
+          </p:cNvPr>
+          <p:cNvSpPr/>
+          <p:nvPr/>
+        </p:nvSpPr>
+        <p:spPr>
+          <a:xfrm>
+            <a:off x="3023118" y="2463282"/>
+            <a:ext cx="484632" cy="1216152"/>
+          </a:xfrm>
+          <a:prstGeom prst="upDownArrow">
+            <a:avLst/>
+          </a:prstGeom>
+        </p:spPr>
+        <p:style>
+          <a:lnRef idx="2">
+            <a:schemeClr val="accent1">
+              <a:shade val="50000"/>
+            </a:schemeClr>
+          </a:lnRef>
+          <a:fillRef idx="1">
+            <a:schemeClr val="accent1"/>
+          </a:fillRef>
+          <a:effectRef idx="0">
+            <a:schemeClr val="accent1"/>
+          </a:effectRef>
+          <a:fontRef idx="minor">
+            <a:schemeClr val="lt1"/>
+          </a:fontRef>
+        </p:style>
+        <p:txBody>
+          <a:bodyPr rtlCol="0" anchor="ctr"/>
+          <a:lstStyle/>
+          <a:p>
+            <a:pPr algn="ctr"/>
+            <a:endParaRPr lang="zh-CN" altLang="en-US"/>
+          </a:p>
+        </p:txBody>
+      </p:sp>
+      <p:sp>
+        <p:nvSpPr>
+          <p:cNvPr id="8" name="箭头: 上下 7">
+            <a:extLst>
+              <a:ext uri="{FF2B5EF4-FFF2-40B4-BE49-F238E27FC236}">
+                <a16:creationId xmlns:a16="http://schemas.microsoft.com/office/drawing/2014/main" id="{D1103C2B-6001-4210-80E9-6DF201D71E37}"/>
+              </a:ext>
+            </a:extLst>
+          </p:cNvPr>
+          <p:cNvSpPr/>
+          <p:nvPr/>
+        </p:nvSpPr>
+        <p:spPr>
+          <a:xfrm>
+            <a:off x="4264089" y="2463282"/>
+            <a:ext cx="484632" cy="1216152"/>
+          </a:xfrm>
+          <a:prstGeom prst="upDownArrow">
+            <a:avLst/>
+          </a:prstGeom>
+        </p:spPr>
+        <p:style>
+          <a:lnRef idx="2">
+            <a:schemeClr val="accent1">
+              <a:shade val="50000"/>
+            </a:schemeClr>
+          </a:lnRef>
+          <a:fillRef idx="1">
+            <a:schemeClr val="accent1"/>
+          </a:fillRef>
+          <a:effectRef idx="0">
+            <a:schemeClr val="accent1"/>
+          </a:effectRef>
+          <a:fontRef idx="minor">
+            <a:schemeClr val="lt1"/>
+          </a:fontRef>
+        </p:style>
+        <p:txBody>
+          <a:bodyPr rtlCol="0" anchor="ctr"/>
+          <a:lstStyle/>
+          <a:p>
+            <a:pPr algn="ctr"/>
+            <a:endParaRPr lang="zh-CN" altLang="en-US"/>
+          </a:p>
+        </p:txBody>
+      </p:sp>
+      <p:sp>
+        <p:nvSpPr>
+          <p:cNvPr id="9" name="矩形 8">
+            <a:extLst>
+              <a:ext uri="{FF2B5EF4-FFF2-40B4-BE49-F238E27FC236}">
+                <a16:creationId xmlns:a16="http://schemas.microsoft.com/office/drawing/2014/main" id="{EA1C4A05-52D9-44D3-82AB-B33532ECED4F}"/>
+              </a:ext>
+            </a:extLst>
+          </p:cNvPr>
+          <p:cNvSpPr/>
+          <p:nvPr/>
+        </p:nvSpPr>
+        <p:spPr>
+          <a:xfrm>
+            <a:off x="2024742" y="3713584"/>
+            <a:ext cx="1794588" cy="681135"/>
+          </a:xfrm>
+          <a:prstGeom prst="rect">
+            <a:avLst/>
+          </a:prstGeom>
+        </p:spPr>
+        <p:style>
+          <a:lnRef idx="2">
+            <a:schemeClr val="accent1">
+              <a:shade val="50000"/>
+            </a:schemeClr>
+          </a:lnRef>
+          <a:fillRef idx="1">
+            <a:schemeClr val="accent1"/>
+          </a:fillRef>
+          <a:effectRef idx="0">
+            <a:schemeClr val="accent1"/>
+          </a:effectRef>
+          <a:fontRef idx="minor">
+            <a:schemeClr val="lt1"/>
+          </a:fontRef>
+        </p:style>
+        <p:txBody>
+          <a:bodyPr rtlCol="0" anchor="ctr"/>
+          <a:lstStyle/>
+          <a:p>
+            <a:pPr algn="ctr"/>
+            <a:r>
+              <a:rPr lang="en-US" altLang="zh-CN" dirty="0"/>
+              <a:t>Request</a:t>
+            </a:r>
+            <a:r>
+              <a:rPr lang="zh-CN" altLang="en-US" dirty="0"/>
+              <a:t>队列</a:t>
+            </a:r>
+          </a:p>
+        </p:txBody>
+      </p:sp>
+      <p:sp>
+        <p:nvSpPr>
+          <p:cNvPr id="10" name="矩形 9">
+            <a:extLst>
+              <a:ext uri="{FF2B5EF4-FFF2-40B4-BE49-F238E27FC236}">
+                <a16:creationId xmlns:a16="http://schemas.microsoft.com/office/drawing/2014/main" id="{C975979B-E1CC-4A71-9657-C03CC4DDEDE3}"/>
+              </a:ext>
+            </a:extLst>
+          </p:cNvPr>
+          <p:cNvSpPr/>
+          <p:nvPr/>
+        </p:nvSpPr>
+        <p:spPr>
+          <a:xfrm>
+            <a:off x="4077477" y="3679434"/>
+            <a:ext cx="1794588" cy="681135"/>
+          </a:xfrm>
+          <a:prstGeom prst="rect">
+            <a:avLst/>
+          </a:prstGeom>
+        </p:spPr>
+        <p:style>
+          <a:lnRef idx="2">
+            <a:schemeClr val="accent1">
+              <a:shade val="50000"/>
+            </a:schemeClr>
+          </a:lnRef>
+          <a:fillRef idx="1">
+            <a:schemeClr val="accent1"/>
+          </a:fillRef>
+          <a:effectRef idx="0">
+            <a:schemeClr val="accent1"/>
+          </a:effectRef>
+          <a:fontRef idx="minor">
+            <a:schemeClr val="lt1"/>
+          </a:fontRef>
+        </p:style>
+        <p:txBody>
+          <a:bodyPr rtlCol="0" anchor="ctr"/>
+          <a:lstStyle/>
+          <a:p>
+            <a:pPr algn="ctr"/>
+            <a:r>
+              <a:rPr lang="en-US" altLang="zh-CN" dirty="0"/>
+              <a:t>Worker</a:t>
+            </a:r>
+            <a:r>
+              <a:rPr lang="zh-CN" altLang="en-US" dirty="0"/>
+              <a:t>队列</a:t>
+            </a:r>
+          </a:p>
+        </p:txBody>
+      </p:sp>
+      <p:sp>
+        <p:nvSpPr>
+          <p:cNvPr id="11" name="箭头: 上下 10">
+            <a:extLst>
+              <a:ext uri="{FF2B5EF4-FFF2-40B4-BE49-F238E27FC236}">
+                <a16:creationId xmlns:a16="http://schemas.microsoft.com/office/drawing/2014/main" id="{36798443-2F24-4B48-B1F1-6352E8B7FDA0}"/>
+              </a:ext>
+            </a:extLst>
+          </p:cNvPr>
+          <p:cNvSpPr/>
+          <p:nvPr/>
+        </p:nvSpPr>
+        <p:spPr>
+          <a:xfrm rot="16200000">
+            <a:off x="6293802" y="3368071"/>
+            <a:ext cx="484632" cy="1216152"/>
+          </a:xfrm>
+          <a:prstGeom prst="upDownArrow">
+            <a:avLst/>
+          </a:prstGeom>
+        </p:spPr>
+        <p:style>
+          <a:lnRef idx="2">
+            <a:schemeClr val="accent1">
+              <a:shade val="50000"/>
+            </a:schemeClr>
+          </a:lnRef>
+          <a:fillRef idx="1">
+            <a:schemeClr val="accent1"/>
+          </a:fillRef>
+          <a:effectRef idx="0">
+            <a:schemeClr val="accent1"/>
+          </a:effectRef>
+          <a:fontRef idx="minor">
+            <a:schemeClr val="lt1"/>
+          </a:fontRef>
+        </p:style>
+        <p:txBody>
+          <a:bodyPr rtlCol="0" anchor="ctr"/>
+          <a:lstStyle/>
+          <a:p>
+            <a:pPr algn="ctr"/>
+            <a:endParaRPr lang="zh-CN" altLang="en-US"/>
+          </a:p>
+        </p:txBody>
+      </p:sp>
+      <p:cxnSp>
+        <p:nvCxnSpPr>
+          <p:cNvPr id="13" name="直接箭头连接符 12">
+            <a:extLst>
+              <a:ext uri="{FF2B5EF4-FFF2-40B4-BE49-F238E27FC236}">
+                <a16:creationId xmlns:a16="http://schemas.microsoft.com/office/drawing/2014/main" id="{2B0C1E69-340A-4E4A-B6BA-0BC5048607F0}"/>
+              </a:ext>
+            </a:extLst>
+          </p:cNvPr>
+          <p:cNvCxnSpPr>
+            <a:cxnSpLocks/>
+          </p:cNvCxnSpPr>
+          <p:nvPr/>
+        </p:nvCxnSpPr>
+        <p:spPr>
+          <a:xfrm>
+            <a:off x="3265434" y="1091682"/>
+            <a:ext cx="699516" cy="690465"/>
+          </a:xfrm>
+          <a:prstGeom prst="straightConnector1">
+            <a:avLst/>
+          </a:prstGeom>
+          <a:ln>
+            <a:tailEnd type="triangle"/>
+          </a:ln>
+        </p:spPr>
+        <p:style>
+          <a:lnRef idx="1">
+            <a:schemeClr val="accent1"/>
+          </a:lnRef>
+          <a:fillRef idx="0">
+            <a:schemeClr val="accent1"/>
+          </a:fillRef>
+          <a:effectRef idx="0">
+            <a:schemeClr val="accent1"/>
+          </a:effectRef>
+          <a:fontRef idx="minor">
+            <a:schemeClr val="tx1"/>
+          </a:fontRef>
+        </p:style>
+      </p:cxnSp>
+      <p:sp>
+        <p:nvSpPr>
+          <p:cNvPr id="15" name="文本框 14">
+            <a:extLst>
+              <a:ext uri="{FF2B5EF4-FFF2-40B4-BE49-F238E27FC236}">
+                <a16:creationId xmlns:a16="http://schemas.microsoft.com/office/drawing/2014/main" id="{4B052483-EF78-4817-ACEB-8B26027A68F8}"/>
+              </a:ext>
+            </a:extLst>
+          </p:cNvPr>
+          <p:cNvSpPr txBox="1"/>
+          <p:nvPr/>
+        </p:nvSpPr>
+        <p:spPr>
+          <a:xfrm>
+            <a:off x="3707824" y="1261579"/>
+            <a:ext cx="715260" cy="276999"/>
+          </a:xfrm>
+          <a:prstGeom prst="rect">
+            <a:avLst/>
+          </a:prstGeom>
+          <a:noFill/>
+        </p:spPr>
+        <p:txBody>
+          <a:bodyPr wrap="none" rtlCol="0">
+            <a:spAutoFit/>
+          </a:bodyPr>
+          <a:lstStyle/>
+          <a:p>
+            <a:r>
+              <a:rPr lang="en-US" altLang="zh-CN" sz="1200" dirty="0"/>
+              <a:t>Request</a:t>
+            </a:r>
+            <a:endParaRPr lang="zh-CN" altLang="en-US" sz="1200" dirty="0"/>
+          </a:p>
+        </p:txBody>
+      </p:sp>
+      <p:sp>
+        <p:nvSpPr>
+          <p:cNvPr id="17" name="矩形 16">
+            <a:extLst>
+              <a:ext uri="{FF2B5EF4-FFF2-40B4-BE49-F238E27FC236}">
+                <a16:creationId xmlns:a16="http://schemas.microsoft.com/office/drawing/2014/main" id="{5A7E86C8-2ACF-43E0-A24F-E407CB6F6255}"/>
+              </a:ext>
+            </a:extLst>
+          </p:cNvPr>
+          <p:cNvSpPr/>
+          <p:nvPr/>
+        </p:nvSpPr>
+        <p:spPr>
+          <a:xfrm>
+            <a:off x="7234329" y="3635578"/>
+            <a:ext cx="1794588" cy="681135"/>
+          </a:xfrm>
+          <a:prstGeom prst="rect">
+            <a:avLst/>
+          </a:prstGeom>
+        </p:spPr>
+        <p:style>
+          <a:lnRef idx="2">
+            <a:schemeClr val="accent1">
+              <a:shade val="50000"/>
+            </a:schemeClr>
+          </a:lnRef>
+          <a:fillRef idx="1">
+            <a:schemeClr val="accent1"/>
+          </a:fillRef>
+          <a:effectRef idx="0">
+            <a:schemeClr val="accent1"/>
+          </a:effectRef>
+          <a:fontRef idx="minor">
+            <a:schemeClr val="lt1"/>
+          </a:fontRef>
+        </p:style>
+        <p:txBody>
+          <a:bodyPr rtlCol="0" anchor="ctr"/>
+          <a:lstStyle/>
+          <a:p>
+            <a:pPr algn="ctr"/>
+            <a:endParaRPr lang="zh-CN" altLang="en-US" dirty="0"/>
+          </a:p>
+        </p:txBody>
+      </p:sp>
+      <p:sp>
+        <p:nvSpPr>
+          <p:cNvPr id="19" name="矩形 18">
+            <a:extLst>
+              <a:ext uri="{FF2B5EF4-FFF2-40B4-BE49-F238E27FC236}">
+                <a16:creationId xmlns:a16="http://schemas.microsoft.com/office/drawing/2014/main" id="{8C806E9B-8FBD-4419-B73C-63FDF1D9CB50}"/>
+              </a:ext>
+            </a:extLst>
+          </p:cNvPr>
+          <p:cNvSpPr/>
+          <p:nvPr/>
+        </p:nvSpPr>
+        <p:spPr>
+          <a:xfrm>
+            <a:off x="7335413" y="3803529"/>
+            <a:ext cx="1794588" cy="681135"/>
+          </a:xfrm>
+          <a:prstGeom prst="rect">
+            <a:avLst/>
+          </a:prstGeom>
+        </p:spPr>
+        <p:style>
+          <a:lnRef idx="2">
+            <a:schemeClr val="accent1">
+              <a:shade val="50000"/>
+            </a:schemeClr>
+          </a:lnRef>
+          <a:fillRef idx="1">
+            <a:schemeClr val="accent1"/>
+          </a:fillRef>
+          <a:effectRef idx="0">
+            <a:schemeClr val="accent1"/>
+          </a:effectRef>
+          <a:fontRef idx="minor">
+            <a:schemeClr val="lt1"/>
+          </a:fontRef>
+        </p:style>
+        <p:txBody>
+          <a:bodyPr rtlCol="0" anchor="ctr"/>
+          <a:lstStyle/>
+          <a:p>
+            <a:pPr algn="ctr"/>
+            <a:endParaRPr lang="zh-CN" altLang="en-US" dirty="0"/>
+          </a:p>
+        </p:txBody>
+      </p:sp>
+      <p:sp>
+        <p:nvSpPr>
+          <p:cNvPr id="20" name="矩形 19">
+            <a:extLst>
+              <a:ext uri="{FF2B5EF4-FFF2-40B4-BE49-F238E27FC236}">
+                <a16:creationId xmlns:a16="http://schemas.microsoft.com/office/drawing/2014/main" id="{445A5BF1-4EEF-4A47-BC97-E0142054EED4}"/>
+              </a:ext>
+            </a:extLst>
+          </p:cNvPr>
+          <p:cNvSpPr/>
+          <p:nvPr/>
+        </p:nvSpPr>
+        <p:spPr>
+          <a:xfrm>
+            <a:off x="7460379" y="3944792"/>
+            <a:ext cx="1794588" cy="681135"/>
+          </a:xfrm>
+          <a:prstGeom prst="rect">
+            <a:avLst/>
+          </a:prstGeom>
+        </p:spPr>
+        <p:style>
+          <a:lnRef idx="2">
+            <a:schemeClr val="accent1">
+              <a:shade val="50000"/>
+            </a:schemeClr>
+          </a:lnRef>
+          <a:fillRef idx="1">
+            <a:schemeClr val="accent1"/>
+          </a:fillRef>
+          <a:effectRef idx="0">
+            <a:schemeClr val="accent1"/>
+          </a:effectRef>
+          <a:fontRef idx="minor">
+            <a:schemeClr val="lt1"/>
+          </a:fontRef>
+        </p:style>
+        <p:txBody>
+          <a:bodyPr rtlCol="0" anchor="ctr"/>
+          <a:lstStyle/>
+          <a:p>
+            <a:pPr algn="ctr"/>
+            <a:endParaRPr lang="zh-CN" altLang="en-US" dirty="0"/>
+          </a:p>
+        </p:txBody>
+      </p:sp>
+      <p:sp>
+        <p:nvSpPr>
+          <p:cNvPr id="21" name="矩形 20">
+            <a:extLst>
+              <a:ext uri="{FF2B5EF4-FFF2-40B4-BE49-F238E27FC236}">
+                <a16:creationId xmlns:a16="http://schemas.microsoft.com/office/drawing/2014/main" id="{AFE98319-A188-44FA-BC8A-EC7FD371E3CE}"/>
+              </a:ext>
+            </a:extLst>
+          </p:cNvPr>
+          <p:cNvSpPr/>
+          <p:nvPr/>
+        </p:nvSpPr>
+        <p:spPr>
+          <a:xfrm>
+            <a:off x="7593560" y="4086055"/>
+            <a:ext cx="1794588" cy="681135"/>
+          </a:xfrm>
+          <a:prstGeom prst="rect">
+            <a:avLst/>
+          </a:prstGeom>
+        </p:spPr>
+        <p:style>
+          <a:lnRef idx="2">
+            <a:schemeClr val="accent1">
+              <a:shade val="50000"/>
+            </a:schemeClr>
+          </a:lnRef>
+          <a:fillRef idx="1">
+            <a:schemeClr val="accent1"/>
+          </a:fillRef>
+          <a:effectRef idx="0">
+            <a:schemeClr val="accent1"/>
+          </a:effectRef>
+          <a:fontRef idx="minor">
+            <a:schemeClr val="lt1"/>
+          </a:fontRef>
+        </p:style>
+        <p:txBody>
+          <a:bodyPr rtlCol="0" anchor="ctr"/>
+          <a:lstStyle/>
+          <a:p>
+            <a:pPr algn="ctr"/>
+            <a:endParaRPr lang="zh-CN" altLang="en-US" dirty="0"/>
+          </a:p>
+        </p:txBody>
+      </p:sp>
+      <p:sp>
+        <p:nvSpPr>
+          <p:cNvPr id="22" name="矩形 21">
+            <a:extLst>
+              <a:ext uri="{FF2B5EF4-FFF2-40B4-BE49-F238E27FC236}">
+                <a16:creationId xmlns:a16="http://schemas.microsoft.com/office/drawing/2014/main" id="{ABF5C714-3300-4845-9BC7-D1D8AFBBE0AF}"/>
+              </a:ext>
+            </a:extLst>
+          </p:cNvPr>
+          <p:cNvSpPr/>
+          <p:nvPr/>
+        </p:nvSpPr>
+        <p:spPr>
+          <a:xfrm>
+            <a:off x="7733522" y="4247283"/>
+            <a:ext cx="1794588" cy="681135"/>
+          </a:xfrm>
+          <a:prstGeom prst="rect">
+            <a:avLst/>
+          </a:prstGeom>
+        </p:spPr>
+        <p:style>
+          <a:lnRef idx="2">
+            <a:schemeClr val="accent1">
+              <a:shade val="50000"/>
+            </a:schemeClr>
+          </a:lnRef>
+          <a:fillRef idx="1">
+            <a:schemeClr val="accent1"/>
+          </a:fillRef>
+          <a:effectRef idx="0">
+            <a:schemeClr val="accent1"/>
+          </a:effectRef>
+          <a:fontRef idx="minor">
+            <a:schemeClr val="lt1"/>
+          </a:fontRef>
+        </p:style>
+        <p:txBody>
+          <a:bodyPr rtlCol="0" anchor="ctr"/>
+          <a:lstStyle/>
+          <a:p>
+            <a:pPr algn="ctr"/>
+            <a:r>
+              <a:rPr lang="en-US" altLang="zh-CN" dirty="0"/>
+              <a:t>Worker</a:t>
+            </a:r>
+            <a:endParaRPr lang="zh-CN" altLang="en-US" dirty="0"/>
+          </a:p>
+        </p:txBody>
+      </p:sp>
+      <p:sp>
+        <p:nvSpPr>
+          <p:cNvPr id="23" name="矩形 22">
+            <a:extLst>
+              <a:ext uri="{FF2B5EF4-FFF2-40B4-BE49-F238E27FC236}">
+                <a16:creationId xmlns:a16="http://schemas.microsoft.com/office/drawing/2014/main" id="{E369D39F-BB61-4F47-B160-0ECB0BDE34A6}"/>
+              </a:ext>
+            </a:extLst>
+          </p:cNvPr>
+          <p:cNvSpPr/>
+          <p:nvPr/>
+        </p:nvSpPr>
+        <p:spPr>
+          <a:xfrm>
+            <a:off x="5349606" y="1782147"/>
+            <a:ext cx="1794588" cy="681135"/>
+          </a:xfrm>
+          <a:prstGeom prst="rect">
+            <a:avLst/>
+          </a:prstGeom>
+        </p:spPr>
+        <p:style>
+          <a:lnRef idx="2">
+            <a:schemeClr val="accent1">
+              <a:shade val="50000"/>
+            </a:schemeClr>
+          </a:lnRef>
+          <a:fillRef idx="1">
+            <a:schemeClr val="accent1"/>
+          </a:fillRef>
+          <a:effectRef idx="0">
+            <a:schemeClr val="accent1"/>
+          </a:effectRef>
+          <a:fontRef idx="minor">
+            <a:schemeClr val="lt1"/>
+          </a:fontRef>
+        </p:style>
+        <p:txBody>
+          <a:bodyPr rtlCol="0" anchor="ctr"/>
+          <a:lstStyle/>
+          <a:p>
+            <a:pPr algn="ctr"/>
+            <a:r>
+              <a:rPr lang="zh-CN" altLang="en-US" dirty="0"/>
+              <a:t>选择的</a:t>
+            </a:r>
+            <a:r>
+              <a:rPr lang="en-US" altLang="zh-CN" dirty="0"/>
+              <a:t>Request</a:t>
+            </a:r>
+            <a:endParaRPr lang="zh-CN" altLang="en-US" dirty="0"/>
+          </a:p>
+        </p:txBody>
+      </p:sp>
+      <p:sp>
+        <p:nvSpPr>
+          <p:cNvPr id="26" name="矩形 25">
+            <a:extLst>
+              <a:ext uri="{FF2B5EF4-FFF2-40B4-BE49-F238E27FC236}">
+                <a16:creationId xmlns:a16="http://schemas.microsoft.com/office/drawing/2014/main" id="{812BAB4F-83A5-42EE-94DC-C1D137DEC5F8}"/>
+              </a:ext>
+            </a:extLst>
+          </p:cNvPr>
+          <p:cNvSpPr/>
+          <p:nvPr/>
+        </p:nvSpPr>
+        <p:spPr>
+          <a:xfrm>
+            <a:off x="7676094" y="1782146"/>
+            <a:ext cx="1794588" cy="681135"/>
+          </a:xfrm>
+          <a:prstGeom prst="rect">
+            <a:avLst/>
+          </a:prstGeom>
+        </p:spPr>
+        <p:style>
+          <a:lnRef idx="2">
+            <a:schemeClr val="accent1">
+              <a:shade val="50000"/>
+            </a:schemeClr>
+          </a:lnRef>
+          <a:fillRef idx="1">
+            <a:schemeClr val="accent1"/>
+          </a:fillRef>
+          <a:effectRef idx="0">
+            <a:schemeClr val="accent1"/>
+          </a:effectRef>
+          <a:fontRef idx="minor">
+            <a:schemeClr val="lt1"/>
+          </a:fontRef>
+        </p:style>
+        <p:txBody>
+          <a:bodyPr rtlCol="0" anchor="ctr"/>
+          <a:lstStyle/>
+          <a:p>
+            <a:pPr algn="ctr"/>
+            <a:r>
+              <a:rPr lang="zh-CN" altLang="en-US" dirty="0"/>
+              <a:t>选择的</a:t>
+            </a:r>
+            <a:r>
+              <a:rPr lang="en-US" altLang="zh-CN" dirty="0"/>
+              <a:t>Worker</a:t>
+            </a:r>
+            <a:endParaRPr lang="zh-CN" altLang="en-US" dirty="0"/>
+          </a:p>
+        </p:txBody>
+      </p:sp>
+      <p:sp>
+        <p:nvSpPr>
+          <p:cNvPr id="27" name="矩形 26">
+            <a:extLst>
+              <a:ext uri="{FF2B5EF4-FFF2-40B4-BE49-F238E27FC236}">
+                <a16:creationId xmlns:a16="http://schemas.microsoft.com/office/drawing/2014/main" id="{3364A1D6-0D43-400D-BBF8-0286D182ABC6}"/>
+              </a:ext>
+            </a:extLst>
+          </p:cNvPr>
+          <p:cNvSpPr/>
+          <p:nvPr/>
+        </p:nvSpPr>
+        <p:spPr>
+          <a:xfrm>
+            <a:off x="5206482" y="746449"/>
+            <a:ext cx="4478694" cy="2308022"/>
+          </a:xfrm>
+          <a:prstGeom prst="rect">
+            <a:avLst/>
+          </a:prstGeom>
+          <a:noFill/>
+          <a:ln>
+            <a:solidFill>
+              <a:schemeClr val="accent1">
+                <a:shade val="50000"/>
+              </a:schemeClr>
+            </a:solidFill>
+            <a:prstDash val="dash"/>
+          </a:ln>
+        </p:spPr>
+        <p:style>
+          <a:lnRef idx="2">
+            <a:schemeClr val="accent1">
+              <a:shade val="50000"/>
+            </a:schemeClr>
+          </a:lnRef>
+          <a:fillRef idx="1">
+            <a:schemeClr val="accent1"/>
+          </a:fillRef>
+          <a:effectRef idx="0">
+            <a:schemeClr val="accent1"/>
+          </a:effectRef>
+          <a:fontRef idx="minor">
+            <a:schemeClr val="lt1"/>
+          </a:fontRef>
+        </p:style>
+        <p:txBody>
+          <a:bodyPr rtlCol="0" anchor="ctr"/>
+          <a:lstStyle/>
+          <a:p>
+            <a:pPr algn="ctr"/>
+            <a:endParaRPr lang="zh-CN" altLang="en-US"/>
+          </a:p>
+        </p:txBody>
+      </p:sp>
+      <p:cxnSp>
+        <p:nvCxnSpPr>
+          <p:cNvPr id="29" name="直接箭头连接符 28">
+            <a:extLst>
+              <a:ext uri="{FF2B5EF4-FFF2-40B4-BE49-F238E27FC236}">
+                <a16:creationId xmlns:a16="http://schemas.microsoft.com/office/drawing/2014/main" id="{EBADFCCC-D162-4DAE-A119-F577660007AA}"/>
+              </a:ext>
+            </a:extLst>
+          </p:cNvPr>
+          <p:cNvCxnSpPr>
+            <a:endCxn id="23" idx="1"/>
+          </p:cNvCxnSpPr>
+          <p:nvPr/>
+        </p:nvCxnSpPr>
+        <p:spPr>
+          <a:xfrm>
+            <a:off x="4817706" y="2006082"/>
+            <a:ext cx="531900" cy="116633"/>
+          </a:xfrm>
+          <a:prstGeom prst="straightConnector1">
+            <a:avLst/>
+          </a:prstGeom>
+          <a:ln>
+            <a:tailEnd type="triangle"/>
+          </a:ln>
+        </p:spPr>
+        <p:style>
+          <a:lnRef idx="1">
+            <a:schemeClr val="accent1"/>
+          </a:lnRef>
+          <a:fillRef idx="0">
+            <a:schemeClr val="accent1"/>
+          </a:fillRef>
+          <a:effectRef idx="0">
+            <a:schemeClr val="accent1"/>
+          </a:effectRef>
+          <a:fontRef idx="minor">
+            <a:schemeClr val="tx1"/>
+          </a:fontRef>
+        </p:style>
+      </p:cxnSp>
+      <p:cxnSp>
+        <p:nvCxnSpPr>
+          <p:cNvPr id="31" name="直接箭头连接符 30">
+            <a:extLst>
+              <a:ext uri="{FF2B5EF4-FFF2-40B4-BE49-F238E27FC236}">
+                <a16:creationId xmlns:a16="http://schemas.microsoft.com/office/drawing/2014/main" id="{3CBCBDD8-1FAD-448A-982B-15A7E050B858}"/>
+              </a:ext>
+            </a:extLst>
+          </p:cNvPr>
+          <p:cNvCxnSpPr>
+            <a:stCxn id="23" idx="3"/>
+            <a:endCxn id="26" idx="1"/>
+          </p:cNvCxnSpPr>
+          <p:nvPr/>
+        </p:nvCxnSpPr>
+        <p:spPr>
+          <a:xfrm flipV="1">
+            <a:off x="7144194" y="2122714"/>
+            <a:ext cx="531900" cy="1"/>
+          </a:xfrm>
+          <a:prstGeom prst="straightConnector1">
+            <a:avLst/>
+          </a:prstGeom>
+          <a:ln>
+            <a:tailEnd type="triangle"/>
+          </a:ln>
+        </p:spPr>
+        <p:style>
+          <a:lnRef idx="1">
+            <a:schemeClr val="accent1"/>
+          </a:lnRef>
+          <a:fillRef idx="0">
+            <a:schemeClr val="accent1"/>
+          </a:fillRef>
+          <a:effectRef idx="0">
+            <a:schemeClr val="accent1"/>
+          </a:effectRef>
+          <a:fontRef idx="minor">
+            <a:schemeClr val="tx1"/>
+          </a:fontRef>
+        </p:style>
+      </p:cxnSp>
+      <p:sp>
+        <p:nvSpPr>
+          <p:cNvPr id="32" name="文本框 31">
+            <a:extLst>
+              <a:ext uri="{FF2B5EF4-FFF2-40B4-BE49-F238E27FC236}">
+                <a16:creationId xmlns:a16="http://schemas.microsoft.com/office/drawing/2014/main" id="{857FFFAA-68B2-4335-B4BC-E1FBB38E00D8}"/>
+              </a:ext>
+            </a:extLst>
+          </p:cNvPr>
+          <p:cNvSpPr txBox="1"/>
+          <p:nvPr/>
+        </p:nvSpPr>
+        <p:spPr>
+          <a:xfrm>
+            <a:off x="7039016" y="880184"/>
+            <a:ext cx="2185214" cy="276999"/>
+          </a:xfrm>
+          <a:prstGeom prst="rect">
+            <a:avLst/>
+          </a:prstGeom>
+          <a:noFill/>
+        </p:spPr>
+        <p:txBody>
+          <a:bodyPr wrap="none" rtlCol="0">
+            <a:spAutoFit/>
+          </a:bodyPr>
+          <a:lstStyle/>
+          <a:p>
+            <a:r>
+              <a:rPr lang="zh-CN" altLang="en-US" sz="1200" dirty="0"/>
+              <a:t>从队列中获取需要控制的数据</a:t>
+            </a:r>
+          </a:p>
+        </p:txBody>
+      </p:sp>
+    </p:spTree>
+    <p:extLst>
+      <p:ext uri="{BB962C8B-B14F-4D97-AF65-F5344CB8AC3E}">
+        <p14:creationId xmlns:p14="http://schemas.microsoft.com/office/powerpoint/2010/main" val="1155744959"/>
+      </p:ext>
+    </p:extLst>
+  </p:cSld>
+  <p:clrMapOvr>
+    <a:masterClrMapping/>
+  </p:clrMapOvr>
+</p:sld>
+</file>
+
 <file path=ppt/theme/theme1.xml><?xml version="1.0" encoding="utf-8"?>
 <a:theme xmlns:a="http://schemas.openxmlformats.org/drawingml/2006/main" name="Office 主题​​">
   <a:themeElements>

--- a/readmeimages/images.pptx
+++ b/readmeimages/images.pptx
@@ -3599,8 +3599,8 @@
         </p:nvSpPr>
         <p:spPr>
           <a:xfrm>
-            <a:off x="2164140" y="1280130"/>
-            <a:ext cx="1798819" cy="782853"/>
+            <a:off x="2164140" y="1278294"/>
+            <a:ext cx="1798819" cy="784689"/>
           </a:xfrm>
           <a:prstGeom prst="rect">
             <a:avLst/>
@@ -4345,240 +4345,6 @@
           </a:p>
         </p:txBody>
       </p:sp>
-      <p:sp>
-        <p:nvSpPr>
-          <p:cNvPr id="25" name="矩形 24">
-            <a:extLst>
-              <a:ext uri="{FF2B5EF4-FFF2-40B4-BE49-F238E27FC236}">
-                <a16:creationId xmlns:a16="http://schemas.microsoft.com/office/drawing/2014/main" id="{13D3E9A9-1A7C-4759-978A-05E38D83FB78}"/>
-              </a:ext>
-            </a:extLst>
-          </p:cNvPr>
-          <p:cNvSpPr/>
-          <p:nvPr/>
-        </p:nvSpPr>
-        <p:spPr>
-          <a:xfrm>
-            <a:off x="7753738" y="2416629"/>
-            <a:ext cx="1464899" cy="914400"/>
-          </a:xfrm>
-          <a:prstGeom prst="rect">
-            <a:avLst/>
-          </a:prstGeom>
-        </p:spPr>
-        <p:style>
-          <a:lnRef idx="2">
-            <a:schemeClr val="accent1">
-              <a:shade val="50000"/>
-            </a:schemeClr>
-          </a:lnRef>
-          <a:fillRef idx="1">
-            <a:schemeClr val="accent1"/>
-          </a:fillRef>
-          <a:effectRef idx="0">
-            <a:schemeClr val="accent1"/>
-          </a:effectRef>
-          <a:fontRef idx="minor">
-            <a:schemeClr val="lt1"/>
-          </a:fontRef>
-        </p:style>
-        <p:txBody>
-          <a:bodyPr rtlCol="0" anchor="ctr"/>
-          <a:lstStyle/>
-          <a:p>
-            <a:pPr algn="ctr"/>
-            <a:endParaRPr lang="zh-CN" altLang="en-US"/>
-          </a:p>
-        </p:txBody>
-      </p:sp>
-      <p:sp>
-        <p:nvSpPr>
-          <p:cNvPr id="26" name="矩形 25">
-            <a:extLst>
-              <a:ext uri="{FF2B5EF4-FFF2-40B4-BE49-F238E27FC236}">
-                <a16:creationId xmlns:a16="http://schemas.microsoft.com/office/drawing/2014/main" id="{32B6B5D7-4A3D-4D42-A30E-144B9D51DDB8}"/>
-              </a:ext>
-            </a:extLst>
-          </p:cNvPr>
-          <p:cNvSpPr/>
-          <p:nvPr/>
-        </p:nvSpPr>
-        <p:spPr>
-          <a:xfrm>
-            <a:off x="7847044" y="2567754"/>
-            <a:ext cx="1464899" cy="914400"/>
-          </a:xfrm>
-          <a:prstGeom prst="rect">
-            <a:avLst/>
-          </a:prstGeom>
-        </p:spPr>
-        <p:style>
-          <a:lnRef idx="2">
-            <a:schemeClr val="accent1">
-              <a:shade val="50000"/>
-            </a:schemeClr>
-          </a:lnRef>
-          <a:fillRef idx="1">
-            <a:schemeClr val="accent1"/>
-          </a:fillRef>
-          <a:effectRef idx="0">
-            <a:schemeClr val="accent1"/>
-          </a:effectRef>
-          <a:fontRef idx="minor">
-            <a:schemeClr val="lt1"/>
-          </a:fontRef>
-        </p:style>
-        <p:txBody>
-          <a:bodyPr rtlCol="0" anchor="ctr"/>
-          <a:lstStyle/>
-          <a:p>
-            <a:pPr algn="ctr"/>
-            <a:endParaRPr lang="zh-CN" altLang="en-US"/>
-          </a:p>
-        </p:txBody>
-      </p:sp>
-      <p:sp>
-        <p:nvSpPr>
-          <p:cNvPr id="27" name="矩形 26">
-            <a:extLst>
-              <a:ext uri="{FF2B5EF4-FFF2-40B4-BE49-F238E27FC236}">
-                <a16:creationId xmlns:a16="http://schemas.microsoft.com/office/drawing/2014/main" id="{1004DD35-F5E6-4C1F-874D-E71DCE0A25B5}"/>
-              </a:ext>
-            </a:extLst>
-          </p:cNvPr>
-          <p:cNvSpPr/>
-          <p:nvPr/>
-        </p:nvSpPr>
-        <p:spPr>
-          <a:xfrm>
-            <a:off x="8089644" y="2683102"/>
-            <a:ext cx="1464899" cy="914400"/>
-          </a:xfrm>
-          <a:prstGeom prst="rect">
-            <a:avLst/>
-          </a:prstGeom>
-        </p:spPr>
-        <p:style>
-          <a:lnRef idx="2">
-            <a:schemeClr val="accent1">
-              <a:shade val="50000"/>
-            </a:schemeClr>
-          </a:lnRef>
-          <a:fillRef idx="1">
-            <a:schemeClr val="accent1"/>
-          </a:fillRef>
-          <a:effectRef idx="0">
-            <a:schemeClr val="accent1"/>
-          </a:effectRef>
-          <a:fontRef idx="minor">
-            <a:schemeClr val="lt1"/>
-          </a:fontRef>
-        </p:style>
-        <p:txBody>
-          <a:bodyPr rtlCol="0" anchor="ctr"/>
-          <a:lstStyle/>
-          <a:p>
-            <a:pPr algn="ctr"/>
-            <a:endParaRPr lang="zh-CN" altLang="en-US"/>
-          </a:p>
-        </p:txBody>
-      </p:sp>
-      <p:sp>
-        <p:nvSpPr>
-          <p:cNvPr id="28" name="矩形 27">
-            <a:extLst>
-              <a:ext uri="{FF2B5EF4-FFF2-40B4-BE49-F238E27FC236}">
-                <a16:creationId xmlns:a16="http://schemas.microsoft.com/office/drawing/2014/main" id="{C70D9658-421F-4553-8C37-1E1C82A3943A}"/>
-              </a:ext>
-            </a:extLst>
-          </p:cNvPr>
-          <p:cNvSpPr/>
-          <p:nvPr/>
-        </p:nvSpPr>
-        <p:spPr>
-          <a:xfrm>
-            <a:off x="8257592" y="2802940"/>
-            <a:ext cx="1464899" cy="914400"/>
-          </a:xfrm>
-          <a:prstGeom prst="rect">
-            <a:avLst/>
-          </a:prstGeom>
-        </p:spPr>
-        <p:style>
-          <a:lnRef idx="2">
-            <a:schemeClr val="accent1">
-              <a:shade val="50000"/>
-            </a:schemeClr>
-          </a:lnRef>
-          <a:fillRef idx="1">
-            <a:schemeClr val="accent1"/>
-          </a:fillRef>
-          <a:effectRef idx="0">
-            <a:schemeClr val="accent1"/>
-          </a:effectRef>
-          <a:fontRef idx="minor">
-            <a:schemeClr val="lt1"/>
-          </a:fontRef>
-        </p:style>
-        <p:txBody>
-          <a:bodyPr rtlCol="0" anchor="ctr"/>
-          <a:lstStyle/>
-          <a:p>
-            <a:pPr algn="ctr"/>
-            <a:endParaRPr lang="zh-CN" altLang="en-US"/>
-          </a:p>
-        </p:txBody>
-      </p:sp>
-      <p:sp>
-        <p:nvSpPr>
-          <p:cNvPr id="29" name="矩形 28">
-            <a:extLst>
-              <a:ext uri="{FF2B5EF4-FFF2-40B4-BE49-F238E27FC236}">
-                <a16:creationId xmlns:a16="http://schemas.microsoft.com/office/drawing/2014/main" id="{29DCC5E9-E880-4A29-99C5-EE0591D0886A}"/>
-              </a:ext>
-            </a:extLst>
-          </p:cNvPr>
-          <p:cNvSpPr/>
-          <p:nvPr/>
-        </p:nvSpPr>
-        <p:spPr>
-          <a:xfrm>
-            <a:off x="8500188" y="2963252"/>
-            <a:ext cx="1464899" cy="914400"/>
-          </a:xfrm>
-          <a:prstGeom prst="rect">
-            <a:avLst/>
-          </a:prstGeom>
-        </p:spPr>
-        <p:style>
-          <a:lnRef idx="2">
-            <a:schemeClr val="accent1">
-              <a:shade val="50000"/>
-            </a:schemeClr>
-          </a:lnRef>
-          <a:fillRef idx="1">
-            <a:schemeClr val="accent1"/>
-          </a:fillRef>
-          <a:effectRef idx="0">
-            <a:schemeClr val="accent1"/>
-          </a:effectRef>
-          <a:fontRef idx="minor">
-            <a:schemeClr val="lt1"/>
-          </a:fontRef>
-        </p:style>
-        <p:txBody>
-          <a:bodyPr rtlCol="0" anchor="ctr"/>
-          <a:lstStyle/>
-          <a:p>
-            <a:pPr algn="ctr"/>
-            <a:r>
-              <a:rPr lang="en-US" altLang="zh-CN" dirty="0"/>
-              <a:t>Worker</a:t>
-            </a:r>
-            <a:endParaRPr lang="zh-CN" altLang="en-US" dirty="0"/>
-          </a:p>
-        </p:txBody>
-      </p:sp>
       <p:cxnSp>
         <p:nvCxnSpPr>
           <p:cNvPr id="33" name="直接箭头连接符 32">
@@ -4726,6 +4492,240 @@
               <a:t>Request, Item</a:t>
             </a:r>
             <a:endParaRPr lang="zh-CN" altLang="en-US" sz="1200" dirty="0"/>
+          </a:p>
+        </p:txBody>
+      </p:sp>
+      <p:sp>
+        <p:nvSpPr>
+          <p:cNvPr id="17" name="矩形 16">
+            <a:extLst>
+              <a:ext uri="{FF2B5EF4-FFF2-40B4-BE49-F238E27FC236}">
+                <a16:creationId xmlns:a16="http://schemas.microsoft.com/office/drawing/2014/main" id="{B1010034-6D05-41BD-9AE4-4E7CB6852F6B}"/>
+              </a:ext>
+            </a:extLst>
+          </p:cNvPr>
+          <p:cNvSpPr/>
+          <p:nvPr/>
+        </p:nvSpPr>
+        <p:spPr>
+          <a:xfrm>
+            <a:off x="7764092" y="2748875"/>
+            <a:ext cx="1798819" cy="782853"/>
+          </a:xfrm>
+          <a:prstGeom prst="rect">
+            <a:avLst/>
+          </a:prstGeom>
+        </p:spPr>
+        <p:style>
+          <a:lnRef idx="2">
+            <a:schemeClr val="accent1">
+              <a:shade val="50000"/>
+            </a:schemeClr>
+          </a:lnRef>
+          <a:fillRef idx="1">
+            <a:schemeClr val="accent1"/>
+          </a:fillRef>
+          <a:effectRef idx="0">
+            <a:schemeClr val="accent1"/>
+          </a:effectRef>
+          <a:fontRef idx="minor">
+            <a:schemeClr val="lt1"/>
+          </a:fontRef>
+        </p:style>
+        <p:txBody>
+          <a:bodyPr rtlCol="0" anchor="ctr"/>
+          <a:lstStyle/>
+          <a:p>
+            <a:pPr algn="ctr"/>
+            <a:endParaRPr lang="zh-CN" altLang="en-US" dirty="0"/>
+          </a:p>
+        </p:txBody>
+      </p:sp>
+      <p:sp>
+        <p:nvSpPr>
+          <p:cNvPr id="18" name="矩形 17">
+            <a:extLst>
+              <a:ext uri="{FF2B5EF4-FFF2-40B4-BE49-F238E27FC236}">
+                <a16:creationId xmlns:a16="http://schemas.microsoft.com/office/drawing/2014/main" id="{9004870B-F8BB-4EAE-A8B6-0BDF79B901A5}"/>
+              </a:ext>
+            </a:extLst>
+          </p:cNvPr>
+          <p:cNvSpPr/>
+          <p:nvPr/>
+        </p:nvSpPr>
+        <p:spPr>
+          <a:xfrm>
+            <a:off x="7921685" y="2914170"/>
+            <a:ext cx="1798819" cy="782853"/>
+          </a:xfrm>
+          <a:prstGeom prst="rect">
+            <a:avLst/>
+          </a:prstGeom>
+        </p:spPr>
+        <p:style>
+          <a:lnRef idx="2">
+            <a:schemeClr val="accent1">
+              <a:shade val="50000"/>
+            </a:schemeClr>
+          </a:lnRef>
+          <a:fillRef idx="1">
+            <a:schemeClr val="accent1"/>
+          </a:fillRef>
+          <a:effectRef idx="0">
+            <a:schemeClr val="accent1"/>
+          </a:effectRef>
+          <a:fontRef idx="minor">
+            <a:schemeClr val="lt1"/>
+          </a:fontRef>
+        </p:style>
+        <p:txBody>
+          <a:bodyPr rtlCol="0" anchor="ctr"/>
+          <a:lstStyle/>
+          <a:p>
+            <a:pPr algn="ctr"/>
+            <a:endParaRPr lang="zh-CN" altLang="en-US" dirty="0"/>
+          </a:p>
+        </p:txBody>
+      </p:sp>
+      <p:sp>
+        <p:nvSpPr>
+          <p:cNvPr id="19" name="矩形 18">
+            <a:extLst>
+              <a:ext uri="{FF2B5EF4-FFF2-40B4-BE49-F238E27FC236}">
+                <a16:creationId xmlns:a16="http://schemas.microsoft.com/office/drawing/2014/main" id="{5A331078-9017-4B16-AF71-25DF4DCEBCDF}"/>
+              </a:ext>
+            </a:extLst>
+          </p:cNvPr>
+          <p:cNvSpPr/>
+          <p:nvPr/>
+        </p:nvSpPr>
+        <p:spPr>
+          <a:xfrm>
+            <a:off x="8079278" y="3065296"/>
+            <a:ext cx="1798819" cy="782853"/>
+          </a:xfrm>
+          <a:prstGeom prst="rect">
+            <a:avLst/>
+          </a:prstGeom>
+        </p:spPr>
+        <p:style>
+          <a:lnRef idx="2">
+            <a:schemeClr val="accent1">
+              <a:shade val="50000"/>
+            </a:schemeClr>
+          </a:lnRef>
+          <a:fillRef idx="1">
+            <a:schemeClr val="accent1"/>
+          </a:fillRef>
+          <a:effectRef idx="0">
+            <a:schemeClr val="accent1"/>
+          </a:effectRef>
+          <a:fontRef idx="minor">
+            <a:schemeClr val="lt1"/>
+          </a:fontRef>
+        </p:style>
+        <p:txBody>
+          <a:bodyPr rtlCol="0" anchor="ctr"/>
+          <a:lstStyle/>
+          <a:p>
+            <a:pPr algn="ctr"/>
+            <a:endParaRPr lang="zh-CN" altLang="en-US" dirty="0"/>
+          </a:p>
+        </p:txBody>
+      </p:sp>
+      <p:sp>
+        <p:nvSpPr>
+          <p:cNvPr id="20" name="矩形 19">
+            <a:extLst>
+              <a:ext uri="{FF2B5EF4-FFF2-40B4-BE49-F238E27FC236}">
+                <a16:creationId xmlns:a16="http://schemas.microsoft.com/office/drawing/2014/main" id="{68570878-8ACC-4F61-912D-AA52C742FC17}"/>
+              </a:ext>
+            </a:extLst>
+          </p:cNvPr>
+          <p:cNvSpPr/>
+          <p:nvPr/>
+        </p:nvSpPr>
+        <p:spPr>
+          <a:xfrm>
+            <a:off x="8247225" y="3215865"/>
+            <a:ext cx="1798819" cy="782853"/>
+          </a:xfrm>
+          <a:prstGeom prst="rect">
+            <a:avLst/>
+          </a:prstGeom>
+        </p:spPr>
+        <p:style>
+          <a:lnRef idx="2">
+            <a:schemeClr val="accent1">
+              <a:shade val="50000"/>
+            </a:schemeClr>
+          </a:lnRef>
+          <a:fillRef idx="1">
+            <a:schemeClr val="accent1"/>
+          </a:fillRef>
+          <a:effectRef idx="0">
+            <a:schemeClr val="accent1"/>
+          </a:effectRef>
+          <a:fontRef idx="minor">
+            <a:schemeClr val="lt1"/>
+          </a:fontRef>
+        </p:style>
+        <p:txBody>
+          <a:bodyPr rtlCol="0" anchor="ctr"/>
+          <a:lstStyle/>
+          <a:p>
+            <a:pPr algn="ctr"/>
+            <a:endParaRPr lang="zh-CN" altLang="en-US" dirty="0"/>
+          </a:p>
+        </p:txBody>
+      </p:sp>
+      <p:sp>
+        <p:nvSpPr>
+          <p:cNvPr id="21" name="矩形 20">
+            <a:extLst>
+              <a:ext uri="{FF2B5EF4-FFF2-40B4-BE49-F238E27FC236}">
+                <a16:creationId xmlns:a16="http://schemas.microsoft.com/office/drawing/2014/main" id="{8A58189E-1A9D-4094-88B8-5F6436E22622}"/>
+              </a:ext>
+            </a:extLst>
+          </p:cNvPr>
+          <p:cNvSpPr/>
+          <p:nvPr/>
+        </p:nvSpPr>
+        <p:spPr>
+          <a:xfrm>
+            <a:off x="8427653" y="3351528"/>
+            <a:ext cx="1798819" cy="782853"/>
+          </a:xfrm>
+          <a:prstGeom prst="rect">
+            <a:avLst/>
+          </a:prstGeom>
+        </p:spPr>
+        <p:style>
+          <a:lnRef idx="2">
+            <a:schemeClr val="accent1">
+              <a:shade val="50000"/>
+            </a:schemeClr>
+          </a:lnRef>
+          <a:fillRef idx="1">
+            <a:schemeClr val="accent1"/>
+          </a:fillRef>
+          <a:effectRef idx="0">
+            <a:schemeClr val="accent1"/>
+          </a:effectRef>
+          <a:fontRef idx="minor">
+            <a:schemeClr val="lt1"/>
+          </a:fontRef>
+        </p:style>
+        <p:txBody>
+          <a:bodyPr rtlCol="0" anchor="ctr"/>
+          <a:lstStyle/>
+          <a:p>
+            <a:pPr algn="ctr"/>
+            <a:r>
+              <a:rPr lang="en-US" altLang="zh-CN" dirty="0"/>
+              <a:t>Worker</a:t>
+            </a:r>
+            <a:endParaRPr lang="zh-CN" altLang="en-US" dirty="0"/>
           </a:p>
         </p:txBody>
       </p:sp>
@@ -4761,10 +4761,10 @@
       </p:grpSpPr>
       <p:sp>
         <p:nvSpPr>
-          <p:cNvPr id="4" name="矩形 3">
-            <a:extLst>
-              <a:ext uri="{FF2B5EF4-FFF2-40B4-BE49-F238E27FC236}">
-                <a16:creationId xmlns:a16="http://schemas.microsoft.com/office/drawing/2014/main" id="{E2341915-0C10-485A-82A2-AB5B58FA2208}"/>
+          <p:cNvPr id="9" name="矩形 8">
+            <a:extLst>
+              <a:ext uri="{FF2B5EF4-FFF2-40B4-BE49-F238E27FC236}">
+                <a16:creationId xmlns:a16="http://schemas.microsoft.com/office/drawing/2014/main" id="{AD7667F7-ECC1-4520-AE98-B471D1F647C0}"/>
               </a:ext>
             </a:extLst>
           </p:cNvPr>
@@ -4773,8 +4773,8 @@
         </p:nvSpPr>
         <p:spPr>
           <a:xfrm>
-            <a:off x="6736701" y="2985796"/>
-            <a:ext cx="1595535" cy="914400"/>
+            <a:off x="4376057" y="1632856"/>
+            <a:ext cx="1548882" cy="653143"/>
           </a:xfrm>
           <a:prstGeom prst="rect">
             <a:avLst/>
@@ -4801,240 +4801,6 @@
           <a:lstStyle/>
           <a:p>
             <a:pPr algn="ctr"/>
-            <a:endParaRPr lang="zh-CN" altLang="en-US"/>
-          </a:p>
-        </p:txBody>
-      </p:sp>
-      <p:sp>
-        <p:nvSpPr>
-          <p:cNvPr id="5" name="矩形 4">
-            <a:extLst>
-              <a:ext uri="{FF2B5EF4-FFF2-40B4-BE49-F238E27FC236}">
-                <a16:creationId xmlns:a16="http://schemas.microsoft.com/office/drawing/2014/main" id="{4C1F58BC-BB16-4BB6-8C00-E93BA854287E}"/>
-              </a:ext>
-            </a:extLst>
-          </p:cNvPr>
-          <p:cNvSpPr/>
-          <p:nvPr/>
-        </p:nvSpPr>
-        <p:spPr>
-          <a:xfrm>
-            <a:off x="6857999" y="3191070"/>
-            <a:ext cx="1595535" cy="914400"/>
-          </a:xfrm>
-          <a:prstGeom prst="rect">
-            <a:avLst/>
-          </a:prstGeom>
-        </p:spPr>
-        <p:style>
-          <a:lnRef idx="2">
-            <a:schemeClr val="accent1">
-              <a:shade val="50000"/>
-            </a:schemeClr>
-          </a:lnRef>
-          <a:fillRef idx="1">
-            <a:schemeClr val="accent1"/>
-          </a:fillRef>
-          <a:effectRef idx="0">
-            <a:schemeClr val="accent1"/>
-          </a:effectRef>
-          <a:fontRef idx="minor">
-            <a:schemeClr val="lt1"/>
-          </a:fontRef>
-        </p:style>
-        <p:txBody>
-          <a:bodyPr rtlCol="0" anchor="ctr"/>
-          <a:lstStyle/>
-          <a:p>
-            <a:pPr algn="ctr"/>
-            <a:endParaRPr lang="zh-CN" altLang="en-US"/>
-          </a:p>
-        </p:txBody>
-      </p:sp>
-      <p:sp>
-        <p:nvSpPr>
-          <p:cNvPr id="6" name="矩形 5">
-            <a:extLst>
-              <a:ext uri="{FF2B5EF4-FFF2-40B4-BE49-F238E27FC236}">
-                <a16:creationId xmlns:a16="http://schemas.microsoft.com/office/drawing/2014/main" id="{B913D74E-DF53-4A92-A850-94E801D4ED83}"/>
-              </a:ext>
-            </a:extLst>
-          </p:cNvPr>
-          <p:cNvSpPr/>
-          <p:nvPr/>
-        </p:nvSpPr>
-        <p:spPr>
-          <a:xfrm>
-            <a:off x="7100595" y="3429000"/>
-            <a:ext cx="1595535" cy="914400"/>
-          </a:xfrm>
-          <a:prstGeom prst="rect">
-            <a:avLst/>
-          </a:prstGeom>
-        </p:spPr>
-        <p:style>
-          <a:lnRef idx="2">
-            <a:schemeClr val="accent1">
-              <a:shade val="50000"/>
-            </a:schemeClr>
-          </a:lnRef>
-          <a:fillRef idx="1">
-            <a:schemeClr val="accent1"/>
-          </a:fillRef>
-          <a:effectRef idx="0">
-            <a:schemeClr val="accent1"/>
-          </a:effectRef>
-          <a:fontRef idx="minor">
-            <a:schemeClr val="lt1"/>
-          </a:fontRef>
-        </p:style>
-        <p:txBody>
-          <a:bodyPr rtlCol="0" anchor="ctr"/>
-          <a:lstStyle/>
-          <a:p>
-            <a:pPr algn="ctr"/>
-            <a:endParaRPr lang="zh-CN" altLang="en-US"/>
-          </a:p>
-        </p:txBody>
-      </p:sp>
-      <p:sp>
-        <p:nvSpPr>
-          <p:cNvPr id="7" name="矩形 6">
-            <a:extLst>
-              <a:ext uri="{FF2B5EF4-FFF2-40B4-BE49-F238E27FC236}">
-                <a16:creationId xmlns:a16="http://schemas.microsoft.com/office/drawing/2014/main" id="{05E2CBB0-88BE-4D0E-8CC9-E142953481C2}"/>
-              </a:ext>
-            </a:extLst>
-          </p:cNvPr>
-          <p:cNvSpPr/>
-          <p:nvPr/>
-        </p:nvSpPr>
-        <p:spPr>
-          <a:xfrm>
-            <a:off x="7277876" y="3666930"/>
-            <a:ext cx="1595535" cy="914400"/>
-          </a:xfrm>
-          <a:prstGeom prst="rect">
-            <a:avLst/>
-          </a:prstGeom>
-        </p:spPr>
-        <p:style>
-          <a:lnRef idx="2">
-            <a:schemeClr val="accent1">
-              <a:shade val="50000"/>
-            </a:schemeClr>
-          </a:lnRef>
-          <a:fillRef idx="1">
-            <a:schemeClr val="accent1"/>
-          </a:fillRef>
-          <a:effectRef idx="0">
-            <a:schemeClr val="accent1"/>
-          </a:effectRef>
-          <a:fontRef idx="minor">
-            <a:schemeClr val="lt1"/>
-          </a:fontRef>
-        </p:style>
-        <p:txBody>
-          <a:bodyPr rtlCol="0" anchor="ctr"/>
-          <a:lstStyle/>
-          <a:p>
-            <a:pPr algn="ctr"/>
-            <a:endParaRPr lang="zh-CN" altLang="en-US"/>
-          </a:p>
-        </p:txBody>
-      </p:sp>
-      <p:sp>
-        <p:nvSpPr>
-          <p:cNvPr id="8" name="矩形 7">
-            <a:extLst>
-              <a:ext uri="{FF2B5EF4-FFF2-40B4-BE49-F238E27FC236}">
-                <a16:creationId xmlns:a16="http://schemas.microsoft.com/office/drawing/2014/main" id="{A1CDDFD0-41C1-4C7F-A69B-5CB8E1792DD8}"/>
-              </a:ext>
-            </a:extLst>
-          </p:cNvPr>
-          <p:cNvSpPr/>
-          <p:nvPr/>
-        </p:nvSpPr>
-        <p:spPr>
-          <a:xfrm>
-            <a:off x="7492479" y="3853544"/>
-            <a:ext cx="1595535" cy="914400"/>
-          </a:xfrm>
-          <a:prstGeom prst="rect">
-            <a:avLst/>
-          </a:prstGeom>
-        </p:spPr>
-        <p:style>
-          <a:lnRef idx="2">
-            <a:schemeClr val="accent1">
-              <a:shade val="50000"/>
-            </a:schemeClr>
-          </a:lnRef>
-          <a:fillRef idx="1">
-            <a:schemeClr val="accent1"/>
-          </a:fillRef>
-          <a:effectRef idx="0">
-            <a:schemeClr val="accent1"/>
-          </a:effectRef>
-          <a:fontRef idx="minor">
-            <a:schemeClr val="lt1"/>
-          </a:fontRef>
-        </p:style>
-        <p:txBody>
-          <a:bodyPr rtlCol="0" anchor="ctr"/>
-          <a:lstStyle/>
-          <a:p>
-            <a:pPr algn="ctr"/>
-            <a:r>
-              <a:rPr lang="en-US" altLang="zh-CN" dirty="0"/>
-              <a:t>Worker</a:t>
-            </a:r>
-            <a:endParaRPr lang="zh-CN" altLang="en-US" dirty="0"/>
-          </a:p>
-        </p:txBody>
-      </p:sp>
-      <p:sp>
-        <p:nvSpPr>
-          <p:cNvPr id="9" name="矩形 8">
-            <a:extLst>
-              <a:ext uri="{FF2B5EF4-FFF2-40B4-BE49-F238E27FC236}">
-                <a16:creationId xmlns:a16="http://schemas.microsoft.com/office/drawing/2014/main" id="{AD7667F7-ECC1-4520-AE98-B471D1F647C0}"/>
-              </a:ext>
-            </a:extLst>
-          </p:cNvPr>
-          <p:cNvSpPr/>
-          <p:nvPr/>
-        </p:nvSpPr>
-        <p:spPr>
-          <a:xfrm>
-            <a:off x="4376057" y="1371600"/>
-            <a:ext cx="1548882" cy="914400"/>
-          </a:xfrm>
-          <a:prstGeom prst="rect">
-            <a:avLst/>
-          </a:prstGeom>
-        </p:spPr>
-        <p:style>
-          <a:lnRef idx="2">
-            <a:schemeClr val="accent1">
-              <a:shade val="50000"/>
-            </a:schemeClr>
-          </a:lnRef>
-          <a:fillRef idx="1">
-            <a:schemeClr val="accent1"/>
-          </a:fillRef>
-          <a:effectRef idx="0">
-            <a:schemeClr val="accent1"/>
-          </a:effectRef>
-          <a:fontRef idx="minor">
-            <a:schemeClr val="lt1"/>
-          </a:fontRef>
-        </p:style>
-        <p:txBody>
-          <a:bodyPr rtlCol="0" anchor="ctr"/>
-          <a:lstStyle/>
-          <a:p>
-            <a:pPr algn="ctr"/>
             <a:r>
               <a:rPr lang="en-US" altLang="zh-CN" dirty="0"/>
               <a:t>Scheduler</a:t>
@@ -5060,8 +4826,8 @@
         </p:nvCxnSpPr>
         <p:spPr>
           <a:xfrm>
-            <a:off x="4376057" y="699796"/>
-            <a:ext cx="774441" cy="671804"/>
+            <a:off x="4786604" y="1175657"/>
+            <a:ext cx="363894" cy="457199"/>
           </a:xfrm>
           <a:prstGeom prst="straightConnector1">
             <a:avLst/>
@@ -5095,15 +4861,15 @@
             </a:extLst>
           </p:cNvPr>
           <p:cNvCxnSpPr>
+            <a:cxnSpLocks/>
             <a:stCxn id="9" idx="2"/>
-            <a:endCxn id="4" idx="0"/>
           </p:cNvCxnSpPr>
           <p:nvPr/>
         </p:nvCxnSpPr>
         <p:spPr>
           <a:xfrm>
-            <a:off x="5150498" y="2286000"/>
-            <a:ext cx="2383971" cy="699796"/>
+            <a:off x="5150498" y="2285999"/>
+            <a:ext cx="2383971" cy="699797"/>
           </a:xfrm>
           <a:prstGeom prst="straightConnector1">
             <a:avLst/>
@@ -5141,7 +4907,7 @@
         </p:nvSpPr>
         <p:spPr>
           <a:xfrm>
-            <a:off x="3847409" y="989045"/>
+            <a:off x="4164650" y="1269690"/>
             <a:ext cx="715260" cy="276999"/>
           </a:xfrm>
           <a:prstGeom prst="rect">
@@ -5196,6 +4962,240 @@
               <a:t>Request</a:t>
             </a:r>
             <a:endParaRPr lang="zh-CN" altLang="en-US" sz="1200" dirty="0"/>
+          </a:p>
+        </p:txBody>
+      </p:sp>
+      <p:sp>
+        <p:nvSpPr>
+          <p:cNvPr id="20" name="矩形 19">
+            <a:extLst>
+              <a:ext uri="{FF2B5EF4-FFF2-40B4-BE49-F238E27FC236}">
+                <a16:creationId xmlns:a16="http://schemas.microsoft.com/office/drawing/2014/main" id="{4084A220-5984-4AF6-9166-96A036116551}"/>
+              </a:ext>
+            </a:extLst>
+          </p:cNvPr>
+          <p:cNvSpPr/>
+          <p:nvPr/>
+        </p:nvSpPr>
+        <p:spPr>
+          <a:xfrm>
+            <a:off x="6760028" y="2985796"/>
+            <a:ext cx="1548882" cy="653143"/>
+          </a:xfrm>
+          <a:prstGeom prst="rect">
+            <a:avLst/>
+          </a:prstGeom>
+        </p:spPr>
+        <p:style>
+          <a:lnRef idx="2">
+            <a:schemeClr val="accent1">
+              <a:shade val="50000"/>
+            </a:schemeClr>
+          </a:lnRef>
+          <a:fillRef idx="1">
+            <a:schemeClr val="accent1"/>
+          </a:fillRef>
+          <a:effectRef idx="0">
+            <a:schemeClr val="accent1"/>
+          </a:effectRef>
+          <a:fontRef idx="minor">
+            <a:schemeClr val="lt1"/>
+          </a:fontRef>
+        </p:style>
+        <p:txBody>
+          <a:bodyPr rtlCol="0" anchor="ctr"/>
+          <a:lstStyle/>
+          <a:p>
+            <a:pPr algn="ctr"/>
+            <a:endParaRPr lang="zh-CN" altLang="en-US" dirty="0"/>
+          </a:p>
+        </p:txBody>
+      </p:sp>
+      <p:sp>
+        <p:nvSpPr>
+          <p:cNvPr id="22" name="矩形 21">
+            <a:extLst>
+              <a:ext uri="{FF2B5EF4-FFF2-40B4-BE49-F238E27FC236}">
+                <a16:creationId xmlns:a16="http://schemas.microsoft.com/office/drawing/2014/main" id="{944F7607-8FAC-44AA-86AD-699EC5BBD62E}"/>
+              </a:ext>
+            </a:extLst>
+          </p:cNvPr>
+          <p:cNvSpPr/>
+          <p:nvPr/>
+        </p:nvSpPr>
+        <p:spPr>
+          <a:xfrm>
+            <a:off x="6909318" y="3181739"/>
+            <a:ext cx="1548882" cy="653143"/>
+          </a:xfrm>
+          <a:prstGeom prst="rect">
+            <a:avLst/>
+          </a:prstGeom>
+        </p:spPr>
+        <p:style>
+          <a:lnRef idx="2">
+            <a:schemeClr val="accent1">
+              <a:shade val="50000"/>
+            </a:schemeClr>
+          </a:lnRef>
+          <a:fillRef idx="1">
+            <a:schemeClr val="accent1"/>
+          </a:fillRef>
+          <a:effectRef idx="0">
+            <a:schemeClr val="accent1"/>
+          </a:effectRef>
+          <a:fontRef idx="minor">
+            <a:schemeClr val="lt1"/>
+          </a:fontRef>
+        </p:style>
+        <p:txBody>
+          <a:bodyPr rtlCol="0" anchor="ctr"/>
+          <a:lstStyle/>
+          <a:p>
+            <a:pPr algn="ctr"/>
+            <a:endParaRPr lang="zh-CN" altLang="en-US" dirty="0"/>
+          </a:p>
+        </p:txBody>
+      </p:sp>
+      <p:sp>
+        <p:nvSpPr>
+          <p:cNvPr id="23" name="矩形 22">
+            <a:extLst>
+              <a:ext uri="{FF2B5EF4-FFF2-40B4-BE49-F238E27FC236}">
+                <a16:creationId xmlns:a16="http://schemas.microsoft.com/office/drawing/2014/main" id="{1D51499B-9BC6-44EC-A165-26BC5B673549}"/>
+              </a:ext>
+            </a:extLst>
+          </p:cNvPr>
+          <p:cNvSpPr/>
+          <p:nvPr/>
+        </p:nvSpPr>
+        <p:spPr>
+          <a:xfrm>
+            <a:off x="7058608" y="3312367"/>
+            <a:ext cx="1548882" cy="653143"/>
+          </a:xfrm>
+          <a:prstGeom prst="rect">
+            <a:avLst/>
+          </a:prstGeom>
+        </p:spPr>
+        <p:style>
+          <a:lnRef idx="2">
+            <a:schemeClr val="accent1">
+              <a:shade val="50000"/>
+            </a:schemeClr>
+          </a:lnRef>
+          <a:fillRef idx="1">
+            <a:schemeClr val="accent1"/>
+          </a:fillRef>
+          <a:effectRef idx="0">
+            <a:schemeClr val="accent1"/>
+          </a:effectRef>
+          <a:fontRef idx="minor">
+            <a:schemeClr val="lt1"/>
+          </a:fontRef>
+        </p:style>
+        <p:txBody>
+          <a:bodyPr rtlCol="0" anchor="ctr"/>
+          <a:lstStyle/>
+          <a:p>
+            <a:pPr algn="ctr"/>
+            <a:endParaRPr lang="zh-CN" altLang="en-US" dirty="0"/>
+          </a:p>
+        </p:txBody>
+      </p:sp>
+      <p:sp>
+        <p:nvSpPr>
+          <p:cNvPr id="24" name="矩形 23">
+            <a:extLst>
+              <a:ext uri="{FF2B5EF4-FFF2-40B4-BE49-F238E27FC236}">
+                <a16:creationId xmlns:a16="http://schemas.microsoft.com/office/drawing/2014/main" id="{431F4E6B-2270-4845-84EB-1C7F5338A094}"/>
+              </a:ext>
+            </a:extLst>
+          </p:cNvPr>
+          <p:cNvSpPr/>
+          <p:nvPr/>
+        </p:nvSpPr>
+        <p:spPr>
+          <a:xfrm>
+            <a:off x="7207898" y="3452326"/>
+            <a:ext cx="1548882" cy="653143"/>
+          </a:xfrm>
+          <a:prstGeom prst="rect">
+            <a:avLst/>
+          </a:prstGeom>
+        </p:spPr>
+        <p:style>
+          <a:lnRef idx="2">
+            <a:schemeClr val="accent1">
+              <a:shade val="50000"/>
+            </a:schemeClr>
+          </a:lnRef>
+          <a:fillRef idx="1">
+            <a:schemeClr val="accent1"/>
+          </a:fillRef>
+          <a:effectRef idx="0">
+            <a:schemeClr val="accent1"/>
+          </a:effectRef>
+          <a:fontRef idx="minor">
+            <a:schemeClr val="lt1"/>
+          </a:fontRef>
+        </p:style>
+        <p:txBody>
+          <a:bodyPr rtlCol="0" anchor="ctr"/>
+          <a:lstStyle/>
+          <a:p>
+            <a:pPr algn="ctr"/>
+            <a:endParaRPr lang="zh-CN" altLang="en-US" dirty="0"/>
+          </a:p>
+        </p:txBody>
+      </p:sp>
+      <p:sp>
+        <p:nvSpPr>
+          <p:cNvPr id="25" name="矩形 24">
+            <a:extLst>
+              <a:ext uri="{FF2B5EF4-FFF2-40B4-BE49-F238E27FC236}">
+                <a16:creationId xmlns:a16="http://schemas.microsoft.com/office/drawing/2014/main" id="{801C1BA0-9070-425B-8411-9BC159CCD7A9}"/>
+              </a:ext>
+            </a:extLst>
+          </p:cNvPr>
+          <p:cNvSpPr/>
+          <p:nvPr/>
+        </p:nvSpPr>
+        <p:spPr>
+          <a:xfrm>
+            <a:off x="7357188" y="3638938"/>
+            <a:ext cx="1548882" cy="653143"/>
+          </a:xfrm>
+          <a:prstGeom prst="rect">
+            <a:avLst/>
+          </a:prstGeom>
+        </p:spPr>
+        <p:style>
+          <a:lnRef idx="2">
+            <a:schemeClr val="accent1">
+              <a:shade val="50000"/>
+            </a:schemeClr>
+          </a:lnRef>
+          <a:fillRef idx="1">
+            <a:schemeClr val="accent1"/>
+          </a:fillRef>
+          <a:effectRef idx="0">
+            <a:schemeClr val="accent1"/>
+          </a:effectRef>
+          <a:fontRef idx="minor">
+            <a:schemeClr val="lt1"/>
+          </a:fontRef>
+        </p:style>
+        <p:txBody>
+          <a:bodyPr rtlCol="0" anchor="ctr"/>
+          <a:lstStyle/>
+          <a:p>
+            <a:pPr algn="ctr"/>
+            <a:r>
+              <a:rPr lang="en-US" altLang="zh-CN" dirty="0"/>
+              <a:t>Worker</a:t>
+            </a:r>
+            <a:endParaRPr lang="zh-CN" altLang="en-US" dirty="0"/>
           </a:p>
         </p:txBody>
       </p:sp>
@@ -5231,10 +5231,10 @@
       </p:grpSpPr>
       <p:sp>
         <p:nvSpPr>
-          <p:cNvPr id="4" name="矩形 3">
-            <a:extLst>
-              <a:ext uri="{FF2B5EF4-FFF2-40B4-BE49-F238E27FC236}">
-                <a16:creationId xmlns:a16="http://schemas.microsoft.com/office/drawing/2014/main" id="{9418C96E-F112-4152-8D46-F4EAEC0A26C7}"/>
+          <p:cNvPr id="9" name="矩形 8">
+            <a:extLst>
+              <a:ext uri="{FF2B5EF4-FFF2-40B4-BE49-F238E27FC236}">
+                <a16:creationId xmlns:a16="http://schemas.microsoft.com/office/drawing/2014/main" id="{A15AA5FF-A2B3-44C5-95EE-99E5F0BB8C2D}"/>
               </a:ext>
             </a:extLst>
           </p:cNvPr>
@@ -5243,8 +5243,8 @@
         </p:nvSpPr>
         <p:spPr>
           <a:xfrm>
-            <a:off x="6736701" y="2985796"/>
-            <a:ext cx="1595535" cy="914400"/>
+            <a:off x="4376057" y="1632856"/>
+            <a:ext cx="1548882" cy="653143"/>
           </a:xfrm>
           <a:prstGeom prst="rect">
             <a:avLst/>
@@ -5271,240 +5271,6 @@
           <a:lstStyle/>
           <a:p>
             <a:pPr algn="ctr"/>
-            <a:endParaRPr lang="zh-CN" altLang="en-US"/>
-          </a:p>
-        </p:txBody>
-      </p:sp>
-      <p:sp>
-        <p:nvSpPr>
-          <p:cNvPr id="5" name="矩形 4">
-            <a:extLst>
-              <a:ext uri="{FF2B5EF4-FFF2-40B4-BE49-F238E27FC236}">
-                <a16:creationId xmlns:a16="http://schemas.microsoft.com/office/drawing/2014/main" id="{56982EB8-FC70-4B4C-AD8F-5B49CDB589FB}"/>
-              </a:ext>
-            </a:extLst>
-          </p:cNvPr>
-          <p:cNvSpPr/>
-          <p:nvPr/>
-        </p:nvSpPr>
-        <p:spPr>
-          <a:xfrm>
-            <a:off x="6857999" y="3191070"/>
-            <a:ext cx="1595535" cy="914400"/>
-          </a:xfrm>
-          <a:prstGeom prst="rect">
-            <a:avLst/>
-          </a:prstGeom>
-        </p:spPr>
-        <p:style>
-          <a:lnRef idx="2">
-            <a:schemeClr val="accent1">
-              <a:shade val="50000"/>
-            </a:schemeClr>
-          </a:lnRef>
-          <a:fillRef idx="1">
-            <a:schemeClr val="accent1"/>
-          </a:fillRef>
-          <a:effectRef idx="0">
-            <a:schemeClr val="accent1"/>
-          </a:effectRef>
-          <a:fontRef idx="minor">
-            <a:schemeClr val="lt1"/>
-          </a:fontRef>
-        </p:style>
-        <p:txBody>
-          <a:bodyPr rtlCol="0" anchor="ctr"/>
-          <a:lstStyle/>
-          <a:p>
-            <a:pPr algn="ctr"/>
-            <a:endParaRPr lang="zh-CN" altLang="en-US"/>
-          </a:p>
-        </p:txBody>
-      </p:sp>
-      <p:sp>
-        <p:nvSpPr>
-          <p:cNvPr id="6" name="矩形 5">
-            <a:extLst>
-              <a:ext uri="{FF2B5EF4-FFF2-40B4-BE49-F238E27FC236}">
-                <a16:creationId xmlns:a16="http://schemas.microsoft.com/office/drawing/2014/main" id="{F8A282C8-D022-4BB0-978B-DF52B614FCF4}"/>
-              </a:ext>
-            </a:extLst>
-          </p:cNvPr>
-          <p:cNvSpPr/>
-          <p:nvPr/>
-        </p:nvSpPr>
-        <p:spPr>
-          <a:xfrm>
-            <a:off x="7100595" y="3429000"/>
-            <a:ext cx="1595535" cy="914400"/>
-          </a:xfrm>
-          <a:prstGeom prst="rect">
-            <a:avLst/>
-          </a:prstGeom>
-        </p:spPr>
-        <p:style>
-          <a:lnRef idx="2">
-            <a:schemeClr val="accent1">
-              <a:shade val="50000"/>
-            </a:schemeClr>
-          </a:lnRef>
-          <a:fillRef idx="1">
-            <a:schemeClr val="accent1"/>
-          </a:fillRef>
-          <a:effectRef idx="0">
-            <a:schemeClr val="accent1"/>
-          </a:effectRef>
-          <a:fontRef idx="minor">
-            <a:schemeClr val="lt1"/>
-          </a:fontRef>
-        </p:style>
-        <p:txBody>
-          <a:bodyPr rtlCol="0" anchor="ctr"/>
-          <a:lstStyle/>
-          <a:p>
-            <a:pPr algn="ctr"/>
-            <a:endParaRPr lang="zh-CN" altLang="en-US"/>
-          </a:p>
-        </p:txBody>
-      </p:sp>
-      <p:sp>
-        <p:nvSpPr>
-          <p:cNvPr id="7" name="矩形 6">
-            <a:extLst>
-              <a:ext uri="{FF2B5EF4-FFF2-40B4-BE49-F238E27FC236}">
-                <a16:creationId xmlns:a16="http://schemas.microsoft.com/office/drawing/2014/main" id="{079363BE-5014-4EFE-A9E1-ED12EF9783BD}"/>
-              </a:ext>
-            </a:extLst>
-          </p:cNvPr>
-          <p:cNvSpPr/>
-          <p:nvPr/>
-        </p:nvSpPr>
-        <p:spPr>
-          <a:xfrm>
-            <a:off x="7277876" y="3666930"/>
-            <a:ext cx="1595535" cy="914400"/>
-          </a:xfrm>
-          <a:prstGeom prst="rect">
-            <a:avLst/>
-          </a:prstGeom>
-        </p:spPr>
-        <p:style>
-          <a:lnRef idx="2">
-            <a:schemeClr val="accent1">
-              <a:shade val="50000"/>
-            </a:schemeClr>
-          </a:lnRef>
-          <a:fillRef idx="1">
-            <a:schemeClr val="accent1"/>
-          </a:fillRef>
-          <a:effectRef idx="0">
-            <a:schemeClr val="accent1"/>
-          </a:effectRef>
-          <a:fontRef idx="minor">
-            <a:schemeClr val="lt1"/>
-          </a:fontRef>
-        </p:style>
-        <p:txBody>
-          <a:bodyPr rtlCol="0" anchor="ctr"/>
-          <a:lstStyle/>
-          <a:p>
-            <a:pPr algn="ctr"/>
-            <a:endParaRPr lang="zh-CN" altLang="en-US"/>
-          </a:p>
-        </p:txBody>
-      </p:sp>
-      <p:sp>
-        <p:nvSpPr>
-          <p:cNvPr id="8" name="矩形 7">
-            <a:extLst>
-              <a:ext uri="{FF2B5EF4-FFF2-40B4-BE49-F238E27FC236}">
-                <a16:creationId xmlns:a16="http://schemas.microsoft.com/office/drawing/2014/main" id="{D3874C77-08C5-46B5-88BA-20997473A611}"/>
-              </a:ext>
-            </a:extLst>
-          </p:cNvPr>
-          <p:cNvSpPr/>
-          <p:nvPr/>
-        </p:nvSpPr>
-        <p:spPr>
-          <a:xfrm>
-            <a:off x="7492479" y="3853544"/>
-            <a:ext cx="1595535" cy="914400"/>
-          </a:xfrm>
-          <a:prstGeom prst="rect">
-            <a:avLst/>
-          </a:prstGeom>
-        </p:spPr>
-        <p:style>
-          <a:lnRef idx="2">
-            <a:schemeClr val="accent1">
-              <a:shade val="50000"/>
-            </a:schemeClr>
-          </a:lnRef>
-          <a:fillRef idx="1">
-            <a:schemeClr val="accent1"/>
-          </a:fillRef>
-          <a:effectRef idx="0">
-            <a:schemeClr val="accent1"/>
-          </a:effectRef>
-          <a:fontRef idx="minor">
-            <a:schemeClr val="lt1"/>
-          </a:fontRef>
-        </p:style>
-        <p:txBody>
-          <a:bodyPr rtlCol="0" anchor="ctr"/>
-          <a:lstStyle/>
-          <a:p>
-            <a:pPr algn="ctr"/>
-            <a:r>
-              <a:rPr lang="en-US" altLang="zh-CN" dirty="0"/>
-              <a:t>Worker</a:t>
-            </a:r>
-            <a:endParaRPr lang="zh-CN" altLang="en-US" dirty="0"/>
-          </a:p>
-        </p:txBody>
-      </p:sp>
-      <p:sp>
-        <p:nvSpPr>
-          <p:cNvPr id="9" name="矩形 8">
-            <a:extLst>
-              <a:ext uri="{FF2B5EF4-FFF2-40B4-BE49-F238E27FC236}">
-                <a16:creationId xmlns:a16="http://schemas.microsoft.com/office/drawing/2014/main" id="{A15AA5FF-A2B3-44C5-95EE-99E5F0BB8C2D}"/>
-              </a:ext>
-            </a:extLst>
-          </p:cNvPr>
-          <p:cNvSpPr/>
-          <p:nvPr/>
-        </p:nvSpPr>
-        <p:spPr>
-          <a:xfrm>
-            <a:off x="4376057" y="1371600"/>
-            <a:ext cx="1548882" cy="914400"/>
-          </a:xfrm>
-          <a:prstGeom prst="rect">
-            <a:avLst/>
-          </a:prstGeom>
-        </p:spPr>
-        <p:style>
-          <a:lnRef idx="2">
-            <a:schemeClr val="accent1">
-              <a:shade val="50000"/>
-            </a:schemeClr>
-          </a:lnRef>
-          <a:fillRef idx="1">
-            <a:schemeClr val="accent1"/>
-          </a:fillRef>
-          <a:effectRef idx="0">
-            <a:schemeClr val="accent1"/>
-          </a:effectRef>
-          <a:fontRef idx="minor">
-            <a:schemeClr val="lt1"/>
-          </a:fontRef>
-        </p:style>
-        <p:txBody>
-          <a:bodyPr rtlCol="0" anchor="ctr"/>
-          <a:lstStyle/>
-          <a:p>
-            <a:pPr algn="ctr"/>
             <a:r>
               <a:rPr lang="en-US" altLang="zh-CN" dirty="0"/>
               <a:t>Scheduler</a:t>
@@ -5530,8 +5296,8 @@
         </p:nvCxnSpPr>
         <p:spPr>
           <a:xfrm>
-            <a:off x="4376057" y="699796"/>
-            <a:ext cx="774441" cy="671804"/>
+            <a:off x="4562669" y="976795"/>
+            <a:ext cx="587829" cy="656061"/>
           </a:xfrm>
           <a:prstGeom prst="straightConnector1">
             <a:avLst/>
@@ -5567,14 +5333,13 @@
           <p:cNvCxnSpPr>
             <a:cxnSpLocks/>
             <a:stCxn id="9" idx="2"/>
-            <a:endCxn id="14" idx="0"/>
           </p:cNvCxnSpPr>
           <p:nvPr/>
         </p:nvCxnSpPr>
         <p:spPr>
           <a:xfrm flipH="1">
-            <a:off x="3430599" y="2286000"/>
-            <a:ext cx="1719899" cy="765110"/>
+            <a:off x="3430599" y="2285999"/>
+            <a:ext cx="1719899" cy="765111"/>
           </a:xfrm>
           <a:prstGeom prst="straightConnector1">
             <a:avLst/>
@@ -5612,7 +5377,7 @@
         </p:nvSpPr>
         <p:spPr>
           <a:xfrm>
-            <a:off x="3847409" y="989045"/>
+            <a:off x="3985802" y="1193882"/>
             <a:ext cx="715260" cy="276999"/>
           </a:xfrm>
           <a:prstGeom prst="rect">
@@ -5677,286 +5442,6 @@
           </a:p>
         </p:txBody>
       </p:sp>
-      <p:sp>
-        <p:nvSpPr>
-          <p:cNvPr id="14" name="矩形 13">
-            <a:extLst>
-              <a:ext uri="{FF2B5EF4-FFF2-40B4-BE49-F238E27FC236}">
-                <a16:creationId xmlns:a16="http://schemas.microsoft.com/office/drawing/2014/main" id="{0BE59BE7-19FC-42A4-8017-6C6A276D04ED}"/>
-              </a:ext>
-            </a:extLst>
-          </p:cNvPr>
-          <p:cNvSpPr/>
-          <p:nvPr/>
-        </p:nvSpPr>
-        <p:spPr>
-          <a:xfrm>
-            <a:off x="2656158" y="3051110"/>
-            <a:ext cx="1548881" cy="914400"/>
-          </a:xfrm>
-          <a:prstGeom prst="rect">
-            <a:avLst/>
-          </a:prstGeom>
-        </p:spPr>
-        <p:style>
-          <a:lnRef idx="2">
-            <a:schemeClr val="accent1">
-              <a:shade val="50000"/>
-            </a:schemeClr>
-          </a:lnRef>
-          <a:fillRef idx="1">
-            <a:schemeClr val="accent1"/>
-          </a:fillRef>
-          <a:effectRef idx="0">
-            <a:schemeClr val="accent1"/>
-          </a:effectRef>
-          <a:fontRef idx="minor">
-            <a:schemeClr val="lt1"/>
-          </a:fontRef>
-        </p:style>
-        <p:txBody>
-          <a:bodyPr rtlCol="0" anchor="ctr"/>
-          <a:lstStyle/>
-          <a:p>
-            <a:pPr algn="ctr"/>
-            <a:endParaRPr lang="zh-CN" altLang="en-US"/>
-          </a:p>
-        </p:txBody>
-      </p:sp>
-      <p:sp>
-        <p:nvSpPr>
-          <p:cNvPr id="15" name="矩形 14">
-            <a:extLst>
-              <a:ext uri="{FF2B5EF4-FFF2-40B4-BE49-F238E27FC236}">
-                <a16:creationId xmlns:a16="http://schemas.microsoft.com/office/drawing/2014/main" id="{A192141D-98A7-4DFF-89C7-FF2FF0B80F37}"/>
-              </a:ext>
-            </a:extLst>
-          </p:cNvPr>
-          <p:cNvSpPr/>
-          <p:nvPr/>
-        </p:nvSpPr>
-        <p:spPr>
-          <a:xfrm>
-            <a:off x="2889088" y="3265714"/>
-            <a:ext cx="1548881" cy="914400"/>
-          </a:xfrm>
-          <a:prstGeom prst="rect">
-            <a:avLst/>
-          </a:prstGeom>
-        </p:spPr>
-        <p:style>
-          <a:lnRef idx="2">
-            <a:schemeClr val="accent1">
-              <a:shade val="50000"/>
-            </a:schemeClr>
-          </a:lnRef>
-          <a:fillRef idx="1">
-            <a:schemeClr val="accent1"/>
-          </a:fillRef>
-          <a:effectRef idx="0">
-            <a:schemeClr val="accent1"/>
-          </a:effectRef>
-          <a:fontRef idx="minor">
-            <a:schemeClr val="lt1"/>
-          </a:fontRef>
-        </p:style>
-        <p:txBody>
-          <a:bodyPr rtlCol="0" anchor="ctr"/>
-          <a:lstStyle/>
-          <a:p>
-            <a:pPr algn="ctr"/>
-            <a:endParaRPr lang="zh-CN" altLang="en-US"/>
-          </a:p>
-        </p:txBody>
-      </p:sp>
-      <p:sp>
-        <p:nvSpPr>
-          <p:cNvPr id="16" name="矩形 15">
-            <a:extLst>
-              <a:ext uri="{FF2B5EF4-FFF2-40B4-BE49-F238E27FC236}">
-                <a16:creationId xmlns:a16="http://schemas.microsoft.com/office/drawing/2014/main" id="{1E965C74-132A-4BD0-A2A3-6A447E54846C}"/>
-              </a:ext>
-            </a:extLst>
-          </p:cNvPr>
-          <p:cNvSpPr/>
-          <p:nvPr/>
-        </p:nvSpPr>
-        <p:spPr>
-          <a:xfrm>
-            <a:off x="3085364" y="3480318"/>
-            <a:ext cx="1548881" cy="914400"/>
-          </a:xfrm>
-          <a:prstGeom prst="rect">
-            <a:avLst/>
-          </a:prstGeom>
-        </p:spPr>
-        <p:style>
-          <a:lnRef idx="2">
-            <a:schemeClr val="accent1">
-              <a:shade val="50000"/>
-            </a:schemeClr>
-          </a:lnRef>
-          <a:fillRef idx="1">
-            <a:schemeClr val="accent1"/>
-          </a:fillRef>
-          <a:effectRef idx="0">
-            <a:schemeClr val="accent1"/>
-          </a:effectRef>
-          <a:fontRef idx="minor">
-            <a:schemeClr val="lt1"/>
-          </a:fontRef>
-        </p:style>
-        <p:txBody>
-          <a:bodyPr rtlCol="0" anchor="ctr"/>
-          <a:lstStyle/>
-          <a:p>
-            <a:pPr algn="ctr"/>
-            <a:endParaRPr lang="zh-CN" altLang="en-US"/>
-          </a:p>
-        </p:txBody>
-      </p:sp>
-      <p:sp>
-        <p:nvSpPr>
-          <p:cNvPr id="17" name="矩形 16">
-            <a:extLst>
-              <a:ext uri="{FF2B5EF4-FFF2-40B4-BE49-F238E27FC236}">
-                <a16:creationId xmlns:a16="http://schemas.microsoft.com/office/drawing/2014/main" id="{FE7DA9CD-6758-4BEA-BF84-BDBEE223FA5D}"/>
-              </a:ext>
-            </a:extLst>
-          </p:cNvPr>
-          <p:cNvSpPr/>
-          <p:nvPr/>
-        </p:nvSpPr>
-        <p:spPr>
-          <a:xfrm>
-            <a:off x="3362151" y="3638940"/>
-            <a:ext cx="1548881" cy="914400"/>
-          </a:xfrm>
-          <a:prstGeom prst="rect">
-            <a:avLst/>
-          </a:prstGeom>
-        </p:spPr>
-        <p:style>
-          <a:lnRef idx="2">
-            <a:schemeClr val="accent1">
-              <a:shade val="50000"/>
-            </a:schemeClr>
-          </a:lnRef>
-          <a:fillRef idx="1">
-            <a:schemeClr val="accent1"/>
-          </a:fillRef>
-          <a:effectRef idx="0">
-            <a:schemeClr val="accent1"/>
-          </a:effectRef>
-          <a:fontRef idx="minor">
-            <a:schemeClr val="lt1"/>
-          </a:fontRef>
-        </p:style>
-        <p:txBody>
-          <a:bodyPr rtlCol="0" anchor="ctr"/>
-          <a:lstStyle/>
-          <a:p>
-            <a:pPr algn="ctr"/>
-            <a:endParaRPr lang="zh-CN" altLang="en-US"/>
-          </a:p>
-        </p:txBody>
-      </p:sp>
-      <p:sp>
-        <p:nvSpPr>
-          <p:cNvPr id="18" name="矩形 17">
-            <a:extLst>
-              <a:ext uri="{FF2B5EF4-FFF2-40B4-BE49-F238E27FC236}">
-                <a16:creationId xmlns:a16="http://schemas.microsoft.com/office/drawing/2014/main" id="{55709D98-4236-4FFA-B623-88DF400F7F00}"/>
-              </a:ext>
-            </a:extLst>
-          </p:cNvPr>
-          <p:cNvSpPr/>
-          <p:nvPr/>
-        </p:nvSpPr>
-        <p:spPr>
-          <a:xfrm>
-            <a:off x="3568992" y="3797562"/>
-            <a:ext cx="1548881" cy="914400"/>
-          </a:xfrm>
-          <a:prstGeom prst="rect">
-            <a:avLst/>
-          </a:prstGeom>
-        </p:spPr>
-        <p:style>
-          <a:lnRef idx="2">
-            <a:schemeClr val="accent1">
-              <a:shade val="50000"/>
-            </a:schemeClr>
-          </a:lnRef>
-          <a:fillRef idx="1">
-            <a:schemeClr val="accent1"/>
-          </a:fillRef>
-          <a:effectRef idx="0">
-            <a:schemeClr val="accent1"/>
-          </a:effectRef>
-          <a:fontRef idx="minor">
-            <a:schemeClr val="lt1"/>
-          </a:fontRef>
-        </p:style>
-        <p:txBody>
-          <a:bodyPr rtlCol="0" anchor="ctr"/>
-          <a:lstStyle/>
-          <a:p>
-            <a:pPr algn="ctr"/>
-            <a:endParaRPr lang="zh-CN" altLang="en-US"/>
-          </a:p>
-        </p:txBody>
-      </p:sp>
-      <p:sp>
-        <p:nvSpPr>
-          <p:cNvPr id="19" name="矩形 18">
-            <a:extLst>
-              <a:ext uri="{FF2B5EF4-FFF2-40B4-BE49-F238E27FC236}">
-                <a16:creationId xmlns:a16="http://schemas.microsoft.com/office/drawing/2014/main" id="{F568F1AC-3B58-453F-A20D-BD7EDFFB926B}"/>
-              </a:ext>
-            </a:extLst>
-          </p:cNvPr>
-          <p:cNvSpPr/>
-          <p:nvPr/>
-        </p:nvSpPr>
-        <p:spPr>
-          <a:xfrm>
-            <a:off x="3733842" y="4016829"/>
-            <a:ext cx="1548881" cy="914400"/>
-          </a:xfrm>
-          <a:prstGeom prst="rect">
-            <a:avLst/>
-          </a:prstGeom>
-        </p:spPr>
-        <p:style>
-          <a:lnRef idx="2">
-            <a:schemeClr val="accent1">
-              <a:shade val="50000"/>
-            </a:schemeClr>
-          </a:lnRef>
-          <a:fillRef idx="1">
-            <a:schemeClr val="accent1"/>
-          </a:fillRef>
-          <a:effectRef idx="0">
-            <a:schemeClr val="accent1"/>
-          </a:effectRef>
-          <a:fontRef idx="minor">
-            <a:schemeClr val="lt1"/>
-          </a:fontRef>
-        </p:style>
-        <p:txBody>
-          <a:bodyPr rtlCol="0" anchor="ctr"/>
-          <a:lstStyle/>
-          <a:p>
-            <a:pPr algn="ctr"/>
-            <a:r>
-              <a:rPr lang="en-US" altLang="zh-CN" dirty="0"/>
-              <a:t>goroutine</a:t>
-            </a:r>
-            <a:endParaRPr lang="zh-CN" altLang="en-US" dirty="0"/>
-          </a:p>
-        </p:txBody>
-      </p:sp>
       <p:cxnSp>
         <p:nvCxnSpPr>
           <p:cNvPr id="24" name="直接箭头连接符 23">
@@ -5968,7 +5453,6 @@
           </p:cNvPr>
           <p:cNvCxnSpPr>
             <a:cxnSpLocks/>
-            <a:endCxn id="4" idx="1"/>
           </p:cNvCxnSpPr>
           <p:nvPr/>
         </p:nvCxnSpPr>
@@ -6048,7 +5532,7 @@
             </a:extLst>
           </p:cNvPr>
           <p:cNvCxnSpPr>
-            <a:endCxn id="4" idx="1"/>
+            <a:cxnSpLocks/>
           </p:cNvCxnSpPr>
           <p:nvPr/>
         </p:nvCxnSpPr>
@@ -6089,7 +5573,7 @@
             </a:extLst>
           </p:cNvPr>
           <p:cNvCxnSpPr>
-            <a:endCxn id="4" idx="1"/>
+            <a:cxnSpLocks/>
           </p:cNvCxnSpPr>
           <p:nvPr/>
         </p:nvCxnSpPr>
@@ -6130,7 +5614,7 @@
             </a:extLst>
           </p:cNvPr>
           <p:cNvCxnSpPr>
-            <a:endCxn id="4" idx="1"/>
+            <a:cxnSpLocks/>
           </p:cNvCxnSpPr>
           <p:nvPr/>
         </p:nvCxnSpPr>
@@ -6171,7 +5655,7 @@
             </a:extLst>
           </p:cNvPr>
           <p:cNvCxnSpPr>
-            <a:endCxn id="4" idx="1"/>
+            <a:cxnSpLocks/>
           </p:cNvCxnSpPr>
           <p:nvPr/>
         </p:nvCxnSpPr>
@@ -6235,6 +5719,520 @@
               <a:t>Request</a:t>
             </a:r>
             <a:endParaRPr lang="zh-CN" altLang="en-US" sz="1200" dirty="0"/>
+          </a:p>
+        </p:txBody>
+      </p:sp>
+      <p:sp>
+        <p:nvSpPr>
+          <p:cNvPr id="29" name="矩形 28">
+            <a:extLst>
+              <a:ext uri="{FF2B5EF4-FFF2-40B4-BE49-F238E27FC236}">
+                <a16:creationId xmlns:a16="http://schemas.microsoft.com/office/drawing/2014/main" id="{553929D5-A4C2-4F09-8B50-57C73D9830E6}"/>
+              </a:ext>
+            </a:extLst>
+          </p:cNvPr>
+          <p:cNvSpPr/>
+          <p:nvPr/>
+        </p:nvSpPr>
+        <p:spPr>
+          <a:xfrm>
+            <a:off x="2718070" y="3076769"/>
+            <a:ext cx="1548882" cy="653143"/>
+          </a:xfrm>
+          <a:prstGeom prst="rect">
+            <a:avLst/>
+          </a:prstGeom>
+        </p:spPr>
+        <p:style>
+          <a:lnRef idx="2">
+            <a:schemeClr val="accent1">
+              <a:shade val="50000"/>
+            </a:schemeClr>
+          </a:lnRef>
+          <a:fillRef idx="1">
+            <a:schemeClr val="accent1"/>
+          </a:fillRef>
+          <a:effectRef idx="0">
+            <a:schemeClr val="accent1"/>
+          </a:effectRef>
+          <a:fontRef idx="minor">
+            <a:schemeClr val="lt1"/>
+          </a:fontRef>
+        </p:style>
+        <p:txBody>
+          <a:bodyPr rtlCol="0" anchor="ctr"/>
+          <a:lstStyle/>
+          <a:p>
+            <a:pPr algn="ctr"/>
+            <a:endParaRPr lang="zh-CN" altLang="en-US" dirty="0"/>
+          </a:p>
+        </p:txBody>
+      </p:sp>
+      <p:sp>
+        <p:nvSpPr>
+          <p:cNvPr id="31" name="矩形 30">
+            <a:extLst>
+              <a:ext uri="{FF2B5EF4-FFF2-40B4-BE49-F238E27FC236}">
+                <a16:creationId xmlns:a16="http://schemas.microsoft.com/office/drawing/2014/main" id="{62BECDF0-8FCE-4919-9B0D-35C25508BC97}"/>
+              </a:ext>
+            </a:extLst>
+          </p:cNvPr>
+          <p:cNvSpPr/>
+          <p:nvPr/>
+        </p:nvSpPr>
+        <p:spPr>
+          <a:xfrm>
+            <a:off x="2895351" y="3273585"/>
+            <a:ext cx="1548882" cy="653143"/>
+          </a:xfrm>
+          <a:prstGeom prst="rect">
+            <a:avLst/>
+          </a:prstGeom>
+        </p:spPr>
+        <p:style>
+          <a:lnRef idx="2">
+            <a:schemeClr val="accent1">
+              <a:shade val="50000"/>
+            </a:schemeClr>
+          </a:lnRef>
+          <a:fillRef idx="1">
+            <a:schemeClr val="accent1"/>
+          </a:fillRef>
+          <a:effectRef idx="0">
+            <a:schemeClr val="accent1"/>
+          </a:effectRef>
+          <a:fontRef idx="minor">
+            <a:schemeClr val="lt1"/>
+          </a:fontRef>
+        </p:style>
+        <p:txBody>
+          <a:bodyPr rtlCol="0" anchor="ctr"/>
+          <a:lstStyle/>
+          <a:p>
+            <a:pPr algn="ctr"/>
+            <a:endParaRPr lang="zh-CN" altLang="en-US" dirty="0"/>
+          </a:p>
+        </p:txBody>
+      </p:sp>
+      <p:sp>
+        <p:nvSpPr>
+          <p:cNvPr id="33" name="矩形 32">
+            <a:extLst>
+              <a:ext uri="{FF2B5EF4-FFF2-40B4-BE49-F238E27FC236}">
+                <a16:creationId xmlns:a16="http://schemas.microsoft.com/office/drawing/2014/main" id="{7093B0CC-5F1F-4DCD-938C-FC143E129636}"/>
+              </a:ext>
+            </a:extLst>
+          </p:cNvPr>
+          <p:cNvSpPr/>
+          <p:nvPr/>
+        </p:nvSpPr>
+        <p:spPr>
+          <a:xfrm>
+            <a:off x="3153746" y="3463115"/>
+            <a:ext cx="1548882" cy="653143"/>
+          </a:xfrm>
+          <a:prstGeom prst="rect">
+            <a:avLst/>
+          </a:prstGeom>
+        </p:spPr>
+        <p:style>
+          <a:lnRef idx="2">
+            <a:schemeClr val="accent1">
+              <a:shade val="50000"/>
+            </a:schemeClr>
+          </a:lnRef>
+          <a:fillRef idx="1">
+            <a:schemeClr val="accent1"/>
+          </a:fillRef>
+          <a:effectRef idx="0">
+            <a:schemeClr val="accent1"/>
+          </a:effectRef>
+          <a:fontRef idx="minor">
+            <a:schemeClr val="lt1"/>
+          </a:fontRef>
+        </p:style>
+        <p:txBody>
+          <a:bodyPr rtlCol="0" anchor="ctr"/>
+          <a:lstStyle/>
+          <a:p>
+            <a:pPr algn="ctr"/>
+            <a:endParaRPr lang="zh-CN" altLang="en-US" dirty="0"/>
+          </a:p>
+        </p:txBody>
+      </p:sp>
+      <p:sp>
+        <p:nvSpPr>
+          <p:cNvPr id="36" name="矩形 35">
+            <a:extLst>
+              <a:ext uri="{FF2B5EF4-FFF2-40B4-BE49-F238E27FC236}">
+                <a16:creationId xmlns:a16="http://schemas.microsoft.com/office/drawing/2014/main" id="{6C5FAED2-3647-467B-89E0-6FBF86FE90E3}"/>
+              </a:ext>
+            </a:extLst>
+          </p:cNvPr>
+          <p:cNvSpPr/>
+          <p:nvPr/>
+        </p:nvSpPr>
+        <p:spPr>
+          <a:xfrm>
+            <a:off x="3335693" y="3694922"/>
+            <a:ext cx="1548882" cy="653143"/>
+          </a:xfrm>
+          <a:prstGeom prst="rect">
+            <a:avLst/>
+          </a:prstGeom>
+        </p:spPr>
+        <p:style>
+          <a:lnRef idx="2">
+            <a:schemeClr val="accent1">
+              <a:shade val="50000"/>
+            </a:schemeClr>
+          </a:lnRef>
+          <a:fillRef idx="1">
+            <a:schemeClr val="accent1"/>
+          </a:fillRef>
+          <a:effectRef idx="0">
+            <a:schemeClr val="accent1"/>
+          </a:effectRef>
+          <a:fontRef idx="minor">
+            <a:schemeClr val="lt1"/>
+          </a:fontRef>
+        </p:style>
+        <p:txBody>
+          <a:bodyPr rtlCol="0" anchor="ctr"/>
+          <a:lstStyle/>
+          <a:p>
+            <a:pPr algn="ctr"/>
+            <a:endParaRPr lang="zh-CN" altLang="en-US" dirty="0"/>
+          </a:p>
+        </p:txBody>
+      </p:sp>
+      <p:sp>
+        <p:nvSpPr>
+          <p:cNvPr id="37" name="矩形 36">
+            <a:extLst>
+              <a:ext uri="{FF2B5EF4-FFF2-40B4-BE49-F238E27FC236}">
+                <a16:creationId xmlns:a16="http://schemas.microsoft.com/office/drawing/2014/main" id="{AE25C1CD-3DD6-41A2-B811-355EA4FC03E0}"/>
+              </a:ext>
+            </a:extLst>
+          </p:cNvPr>
+          <p:cNvSpPr/>
+          <p:nvPr/>
+        </p:nvSpPr>
+        <p:spPr>
+          <a:xfrm>
+            <a:off x="3484299" y="3864482"/>
+            <a:ext cx="1548882" cy="653143"/>
+          </a:xfrm>
+          <a:prstGeom prst="rect">
+            <a:avLst/>
+          </a:prstGeom>
+        </p:spPr>
+        <p:style>
+          <a:lnRef idx="2">
+            <a:schemeClr val="accent1">
+              <a:shade val="50000"/>
+            </a:schemeClr>
+          </a:lnRef>
+          <a:fillRef idx="1">
+            <a:schemeClr val="accent1"/>
+          </a:fillRef>
+          <a:effectRef idx="0">
+            <a:schemeClr val="accent1"/>
+          </a:effectRef>
+          <a:fontRef idx="minor">
+            <a:schemeClr val="lt1"/>
+          </a:fontRef>
+        </p:style>
+        <p:txBody>
+          <a:bodyPr rtlCol="0" anchor="ctr"/>
+          <a:lstStyle/>
+          <a:p>
+            <a:pPr algn="ctr"/>
+            <a:endParaRPr lang="zh-CN" altLang="en-US" dirty="0"/>
+          </a:p>
+        </p:txBody>
+      </p:sp>
+      <p:sp>
+        <p:nvSpPr>
+          <p:cNvPr id="38" name="矩形 37">
+            <a:extLst>
+              <a:ext uri="{FF2B5EF4-FFF2-40B4-BE49-F238E27FC236}">
+                <a16:creationId xmlns:a16="http://schemas.microsoft.com/office/drawing/2014/main" id="{6458D074-B075-4344-BF21-A3A6A8F80DBE}"/>
+              </a:ext>
+            </a:extLst>
+          </p:cNvPr>
+          <p:cNvSpPr/>
+          <p:nvPr/>
+        </p:nvSpPr>
+        <p:spPr>
+          <a:xfrm>
+            <a:off x="3750938" y="4090012"/>
+            <a:ext cx="1548882" cy="653143"/>
+          </a:xfrm>
+          <a:prstGeom prst="rect">
+            <a:avLst/>
+          </a:prstGeom>
+        </p:spPr>
+        <p:style>
+          <a:lnRef idx="2">
+            <a:schemeClr val="accent1">
+              <a:shade val="50000"/>
+            </a:schemeClr>
+          </a:lnRef>
+          <a:fillRef idx="1">
+            <a:schemeClr val="accent1"/>
+          </a:fillRef>
+          <a:effectRef idx="0">
+            <a:schemeClr val="accent1"/>
+          </a:effectRef>
+          <a:fontRef idx="minor">
+            <a:schemeClr val="lt1"/>
+          </a:fontRef>
+        </p:style>
+        <p:txBody>
+          <a:bodyPr rtlCol="0" anchor="ctr"/>
+          <a:lstStyle/>
+          <a:p>
+            <a:pPr algn="ctr"/>
+            <a:r>
+              <a:rPr lang="en-US" altLang="zh-CN" dirty="0"/>
+              <a:t>goroutine</a:t>
+            </a:r>
+            <a:endParaRPr lang="zh-CN" altLang="en-US" dirty="0"/>
+          </a:p>
+        </p:txBody>
+      </p:sp>
+      <p:sp>
+        <p:nvSpPr>
+          <p:cNvPr id="39" name="矩形 38">
+            <a:extLst>
+              <a:ext uri="{FF2B5EF4-FFF2-40B4-BE49-F238E27FC236}">
+                <a16:creationId xmlns:a16="http://schemas.microsoft.com/office/drawing/2014/main" id="{6B26145C-CDC1-4A16-8A47-64320B24E64B}"/>
+              </a:ext>
+            </a:extLst>
+          </p:cNvPr>
+          <p:cNvSpPr/>
+          <p:nvPr/>
+        </p:nvSpPr>
+        <p:spPr>
+          <a:xfrm>
+            <a:off x="6736430" y="3102428"/>
+            <a:ext cx="1548882" cy="653143"/>
+          </a:xfrm>
+          <a:prstGeom prst="rect">
+            <a:avLst/>
+          </a:prstGeom>
+        </p:spPr>
+        <p:style>
+          <a:lnRef idx="2">
+            <a:schemeClr val="accent1">
+              <a:shade val="50000"/>
+            </a:schemeClr>
+          </a:lnRef>
+          <a:fillRef idx="1">
+            <a:schemeClr val="accent1"/>
+          </a:fillRef>
+          <a:effectRef idx="0">
+            <a:schemeClr val="accent1"/>
+          </a:effectRef>
+          <a:fontRef idx="minor">
+            <a:schemeClr val="lt1"/>
+          </a:fontRef>
+        </p:style>
+        <p:txBody>
+          <a:bodyPr rtlCol="0" anchor="ctr"/>
+          <a:lstStyle/>
+          <a:p>
+            <a:pPr algn="ctr"/>
+            <a:endParaRPr lang="zh-CN" altLang="en-US" dirty="0"/>
+          </a:p>
+        </p:txBody>
+      </p:sp>
+      <p:sp>
+        <p:nvSpPr>
+          <p:cNvPr id="40" name="矩形 39">
+            <a:extLst>
+              <a:ext uri="{FF2B5EF4-FFF2-40B4-BE49-F238E27FC236}">
+                <a16:creationId xmlns:a16="http://schemas.microsoft.com/office/drawing/2014/main" id="{614A5ED2-4EC6-444C-8AF9-33C18E2275AD}"/>
+              </a:ext>
+            </a:extLst>
+          </p:cNvPr>
+          <p:cNvSpPr/>
+          <p:nvPr/>
+        </p:nvSpPr>
+        <p:spPr>
+          <a:xfrm>
+            <a:off x="6932706" y="3271253"/>
+            <a:ext cx="1548882" cy="653143"/>
+          </a:xfrm>
+          <a:prstGeom prst="rect">
+            <a:avLst/>
+          </a:prstGeom>
+        </p:spPr>
+        <p:style>
+          <a:lnRef idx="2">
+            <a:schemeClr val="accent1">
+              <a:shade val="50000"/>
+            </a:schemeClr>
+          </a:lnRef>
+          <a:fillRef idx="1">
+            <a:schemeClr val="accent1"/>
+          </a:fillRef>
+          <a:effectRef idx="0">
+            <a:schemeClr val="accent1"/>
+          </a:effectRef>
+          <a:fontRef idx="minor">
+            <a:schemeClr val="lt1"/>
+          </a:fontRef>
+        </p:style>
+        <p:txBody>
+          <a:bodyPr rtlCol="0" anchor="ctr"/>
+          <a:lstStyle/>
+          <a:p>
+            <a:pPr algn="ctr"/>
+            <a:endParaRPr lang="zh-CN" altLang="en-US" dirty="0"/>
+          </a:p>
+        </p:txBody>
+      </p:sp>
+      <p:sp>
+        <p:nvSpPr>
+          <p:cNvPr id="41" name="矩形 40">
+            <a:extLst>
+              <a:ext uri="{FF2B5EF4-FFF2-40B4-BE49-F238E27FC236}">
+                <a16:creationId xmlns:a16="http://schemas.microsoft.com/office/drawing/2014/main" id="{FD6D0D21-058B-49B7-91C0-054C94F0BD22}"/>
+              </a:ext>
+            </a:extLst>
+          </p:cNvPr>
+          <p:cNvSpPr/>
+          <p:nvPr/>
+        </p:nvSpPr>
+        <p:spPr>
+          <a:xfrm>
+            <a:off x="7131570" y="3436869"/>
+            <a:ext cx="1548882" cy="653143"/>
+          </a:xfrm>
+          <a:prstGeom prst="rect">
+            <a:avLst/>
+          </a:prstGeom>
+        </p:spPr>
+        <p:style>
+          <a:lnRef idx="2">
+            <a:schemeClr val="accent1">
+              <a:shade val="50000"/>
+            </a:schemeClr>
+          </a:lnRef>
+          <a:fillRef idx="1">
+            <a:schemeClr val="accent1"/>
+          </a:fillRef>
+          <a:effectRef idx="0">
+            <a:schemeClr val="accent1"/>
+          </a:effectRef>
+          <a:fontRef idx="minor">
+            <a:schemeClr val="lt1"/>
+          </a:fontRef>
+        </p:style>
+        <p:txBody>
+          <a:bodyPr rtlCol="0" anchor="ctr"/>
+          <a:lstStyle/>
+          <a:p>
+            <a:pPr algn="ctr"/>
+            <a:endParaRPr lang="zh-CN" altLang="en-US" dirty="0"/>
+          </a:p>
+        </p:txBody>
+      </p:sp>
+      <p:sp>
+        <p:nvSpPr>
+          <p:cNvPr id="42" name="矩形 41">
+            <a:extLst>
+              <a:ext uri="{FF2B5EF4-FFF2-40B4-BE49-F238E27FC236}">
+                <a16:creationId xmlns:a16="http://schemas.microsoft.com/office/drawing/2014/main" id="{E1682855-27BC-4978-BB11-D524BE975A87}"/>
+              </a:ext>
+            </a:extLst>
+          </p:cNvPr>
+          <p:cNvSpPr/>
+          <p:nvPr/>
+        </p:nvSpPr>
+        <p:spPr>
+          <a:xfrm>
+            <a:off x="7320607" y="3594615"/>
+            <a:ext cx="1548882" cy="653143"/>
+          </a:xfrm>
+          <a:prstGeom prst="rect">
+            <a:avLst/>
+          </a:prstGeom>
+        </p:spPr>
+        <p:style>
+          <a:lnRef idx="2">
+            <a:schemeClr val="accent1">
+              <a:shade val="50000"/>
+            </a:schemeClr>
+          </a:lnRef>
+          <a:fillRef idx="1">
+            <a:schemeClr val="accent1"/>
+          </a:fillRef>
+          <a:effectRef idx="0">
+            <a:schemeClr val="accent1"/>
+          </a:effectRef>
+          <a:fontRef idx="minor">
+            <a:schemeClr val="lt1"/>
+          </a:fontRef>
+        </p:style>
+        <p:txBody>
+          <a:bodyPr rtlCol="0" anchor="ctr"/>
+          <a:lstStyle/>
+          <a:p>
+            <a:pPr algn="ctr"/>
+            <a:endParaRPr lang="zh-CN" altLang="en-US" dirty="0"/>
+          </a:p>
+        </p:txBody>
+      </p:sp>
+      <p:sp>
+        <p:nvSpPr>
+          <p:cNvPr id="43" name="矩形 42">
+            <a:extLst>
+              <a:ext uri="{FF2B5EF4-FFF2-40B4-BE49-F238E27FC236}">
+                <a16:creationId xmlns:a16="http://schemas.microsoft.com/office/drawing/2014/main" id="{B5738065-103C-4159-8503-30DEBF9FBB20}"/>
+              </a:ext>
+            </a:extLst>
+          </p:cNvPr>
+          <p:cNvSpPr/>
+          <p:nvPr/>
+        </p:nvSpPr>
+        <p:spPr>
+          <a:xfrm>
+            <a:off x="7527713" y="3769566"/>
+            <a:ext cx="1548882" cy="653143"/>
+          </a:xfrm>
+          <a:prstGeom prst="rect">
+            <a:avLst/>
+          </a:prstGeom>
+        </p:spPr>
+        <p:style>
+          <a:lnRef idx="2">
+            <a:schemeClr val="accent1">
+              <a:shade val="50000"/>
+            </a:schemeClr>
+          </a:lnRef>
+          <a:fillRef idx="1">
+            <a:schemeClr val="accent1"/>
+          </a:fillRef>
+          <a:effectRef idx="0">
+            <a:schemeClr val="accent1"/>
+          </a:effectRef>
+          <a:fontRef idx="minor">
+            <a:schemeClr val="lt1"/>
+          </a:fontRef>
+        </p:style>
+        <p:txBody>
+          <a:bodyPr rtlCol="0" anchor="ctr"/>
+          <a:lstStyle/>
+          <a:p>
+            <a:pPr algn="ctr"/>
+            <a:r>
+              <a:rPr lang="en-US" altLang="zh-CN" dirty="0"/>
+              <a:t>Worker</a:t>
+            </a:r>
+            <a:endParaRPr lang="zh-CN" altLang="en-US" dirty="0"/>
           </a:p>
         </p:txBody>
       </p:sp>
